--- a/slides/03_classes_packages_functions.pptx
+++ b/slides/03_classes_packages_functions.pptx
@@ -2,22 +2,25 @@
 <file path=ppt/presentation.xml><?xml version="1.0" encoding="utf-8"?>
 <p:presentation xmlns:a="http://schemas.openxmlformats.org/drawingml/2006/main" xmlns:r="http://schemas.openxmlformats.org/officeDocument/2006/relationships" xmlns:mc="http://schemas.openxmlformats.org/markup-compatibility/2006" xmlns:mv="urn:schemas-microsoft-com:mac:vml" xmlns:p="http://schemas.openxmlformats.org/presentationml/2006/main" xmlns:c="http://schemas.openxmlformats.org/drawingml/2006/chart" xmlns:dgm="http://schemas.openxmlformats.org/drawingml/2006/diagram" xmlns:o="urn:schemas-microsoft-com:office:office" xmlns:v="urn:schemas-microsoft-com:vml" xmlns:pvml="urn:schemas-microsoft-com:office:powerpoint" xmlns:com="http://schemas.openxmlformats.org/drawingml/2006/compatibility" xmlns:p14="http://schemas.microsoft.com/office/powerpoint/2010/main" xmlns:p15="http://schemas.microsoft.com/office/powerpoint/2012/main" xmlns:ahyp="http://schemas.microsoft.com/office/drawing/2018/hyperlinkcolor" autoCompressPictures="0" strictFirstAndLastChars="0" saveSubsetFonts="1">
   <p:sldMasterIdLst>
-    <p:sldMasterId id="2147483662" r:id="rId4"/>
+    <p:sldMasterId id="2147483662" r:id="rId5"/>
   </p:sldMasterIdLst>
   <p:notesMasterIdLst>
-    <p:notesMasterId r:id="rId5"/>
+    <p:notesMasterId r:id="rId6"/>
   </p:notesMasterIdLst>
   <p:sldIdLst>
-    <p:sldId id="256" r:id="rId6"/>
-    <p:sldId id="257" r:id="rId7"/>
-    <p:sldId id="258" r:id="rId8"/>
-    <p:sldId id="259" r:id="rId9"/>
-    <p:sldId id="260" r:id="rId10"/>
-    <p:sldId id="261" r:id="rId11"/>
-    <p:sldId id="262" r:id="rId12"/>
-    <p:sldId id="263" r:id="rId13"/>
-    <p:sldId id="264" r:id="rId14"/>
-    <p:sldId id="265" r:id="rId15"/>
+    <p:sldId id="256" r:id="rId7"/>
+    <p:sldId id="257" r:id="rId8"/>
+    <p:sldId id="258" r:id="rId9"/>
+    <p:sldId id="259" r:id="rId10"/>
+    <p:sldId id="260" r:id="rId11"/>
+    <p:sldId id="261" r:id="rId12"/>
+    <p:sldId id="262" r:id="rId13"/>
+    <p:sldId id="263" r:id="rId14"/>
+    <p:sldId id="264" r:id="rId15"/>
+    <p:sldId id="265" r:id="rId16"/>
+    <p:sldId id="266" r:id="rId17"/>
+    <p:sldId id="267" r:id="rId18"/>
+    <p:sldId id="268" r:id="rId19"/>
   </p:sldIdLst>
   <p:sldSz cy="5143500" cx="9144000"/>
   <p:notesSz cx="6858000" cy="9144000"/>
@@ -799,7 +802,7 @@
   <p:cSld>
     <p:spTree>
       <p:nvGrpSpPr>
-        <p:cNvPr id="147" name="Shape 147"/>
+        <p:cNvPr id="150" name="Shape 150"/>
         <p:cNvGrpSpPr/>
         <p:nvPr/>
       </p:nvGrpSpPr>
@@ -813,7 +816,7 @@
       </p:grpSpPr>
       <p:sp>
         <p:nvSpPr>
-          <p:cNvPr id="148" name="Google Shape;148;gfa13c80bfd_0_81:notes"/>
+          <p:cNvPr id="151" name="Google Shape;151;gfa13c80bfd_0_150:notes"/>
           <p:cNvSpPr/>
           <p:nvPr>
             <p:ph idx="2" type="sldImg"/>
@@ -848,7 +851,304 @@
       </p:sp>
       <p:sp>
         <p:nvSpPr>
-          <p:cNvPr id="149" name="Google Shape;149;gfa13c80bfd_0_81:notes"/>
+          <p:cNvPr id="152" name="Google Shape;152;gfa13c80bfd_0_150:notes"/>
+          <p:cNvSpPr txBox="1"/>
+          <p:nvPr>
+            <p:ph idx="1" type="body"/>
+          </p:nvPr>
+        </p:nvSpPr>
+        <p:spPr>
+          <a:xfrm>
+            <a:off x="685800" y="4343400"/>
+            <a:ext cx="5486400" cy="4114800"/>
+          </a:xfrm>
+          <a:prstGeom prst="rect">
+            <a:avLst/>
+          </a:prstGeom>
+        </p:spPr>
+        <p:txBody>
+          <a:bodyPr anchorCtr="0" anchor="t" bIns="91425" lIns="91425" spcFirstLastPara="1" rIns="91425" wrap="square" tIns="91425">
+            <a:noAutofit/>
+          </a:bodyPr>
+          <a:lstStyle/>
+          <a:p>
+            <a:pPr indent="0" lvl="0" marL="0" rtl="0" algn="l">
+              <a:spcBef>
+                <a:spcPts val="0"/>
+              </a:spcBef>
+              <a:spcAft>
+                <a:spcPts val="0"/>
+              </a:spcAft>
+              <a:buNone/>
+            </a:pPr>
+            <a:r>
+              <a:t/>
+            </a:r>
+            <a:endParaRPr/>
+          </a:p>
+        </p:txBody>
+      </p:sp>
+    </p:spTree>
+  </p:cSld>
+  <p:clrMapOvr>
+    <a:masterClrMapping/>
+  </p:clrMapOvr>
+</p:notes>
+</file>
+
+<file path=ppt/notesSlides/notesSlide11.xml><?xml version="1.0" encoding="utf-8"?>
+<p:notes xmlns:a="http://schemas.openxmlformats.org/drawingml/2006/main" xmlns:r="http://schemas.openxmlformats.org/officeDocument/2006/relationships" xmlns:mc="http://schemas.openxmlformats.org/markup-compatibility/2006" xmlns:mv="urn:schemas-microsoft-com:mac:vml" xmlns:p="http://schemas.openxmlformats.org/presentationml/2006/main" xmlns:c="http://schemas.openxmlformats.org/drawingml/2006/chart" xmlns:dgm="http://schemas.openxmlformats.org/drawingml/2006/diagram" xmlns:o="urn:schemas-microsoft-com:office:office" xmlns:v="urn:schemas-microsoft-com:vml" xmlns:pvml="urn:schemas-microsoft-com:office:powerpoint" xmlns:com="http://schemas.openxmlformats.org/drawingml/2006/compatibility" xmlns:p14="http://schemas.microsoft.com/office/powerpoint/2010/main" xmlns:p15="http://schemas.microsoft.com/office/powerpoint/2012/main" xmlns:ahyp="http://schemas.microsoft.com/office/drawing/2018/hyperlinkcolor" showMasterPhAnim="0" showMasterSp="0">
+  <p:cSld>
+    <p:spTree>
+      <p:nvGrpSpPr>
+        <p:cNvPr id="157" name="Shape 157"/>
+        <p:cNvGrpSpPr/>
+        <p:nvPr/>
+      </p:nvGrpSpPr>
+      <p:grpSpPr>
+        <a:xfrm>
+          <a:off x="0" y="0"/>
+          <a:ext cx="0" cy="0"/>
+          <a:chOff x="0" y="0"/>
+          <a:chExt cx="0" cy="0"/>
+        </a:xfrm>
+      </p:grpSpPr>
+      <p:sp>
+        <p:nvSpPr>
+          <p:cNvPr id="158" name="Google Shape;158;gfa13c80bfd_0_164:notes"/>
+          <p:cNvSpPr/>
+          <p:nvPr>
+            <p:ph idx="2" type="sldImg"/>
+          </p:nvPr>
+        </p:nvSpPr>
+        <p:spPr>
+          <a:xfrm>
+            <a:off x="381300" y="685800"/>
+            <a:ext cx="6096000" cy="3429000"/>
+          </a:xfrm>
+          <a:custGeom>
+            <a:rect b="b" l="l" r="r" t="t"/>
+            <a:pathLst>
+              <a:path extrusionOk="0" h="120000" w="120000">
+                <a:moveTo>
+                  <a:pt x="0" y="0"/>
+                </a:moveTo>
+                <a:lnTo>
+                  <a:pt x="120000" y="0"/>
+                </a:lnTo>
+                <a:lnTo>
+                  <a:pt x="120000" y="120000"/>
+                </a:lnTo>
+                <a:lnTo>
+                  <a:pt x="0" y="120000"/>
+                </a:lnTo>
+                <a:close/>
+              </a:path>
+            </a:pathLst>
+          </a:custGeom>
+        </p:spPr>
+      </p:sp>
+      <p:sp>
+        <p:nvSpPr>
+          <p:cNvPr id="159" name="Google Shape;159;gfa13c80bfd_0_164:notes"/>
+          <p:cNvSpPr txBox="1"/>
+          <p:nvPr>
+            <p:ph idx="1" type="body"/>
+          </p:nvPr>
+        </p:nvSpPr>
+        <p:spPr>
+          <a:xfrm>
+            <a:off x="685800" y="4343400"/>
+            <a:ext cx="5486400" cy="4114800"/>
+          </a:xfrm>
+          <a:prstGeom prst="rect">
+            <a:avLst/>
+          </a:prstGeom>
+        </p:spPr>
+        <p:txBody>
+          <a:bodyPr anchorCtr="0" anchor="t" bIns="91425" lIns="91425" spcFirstLastPara="1" rIns="91425" wrap="square" tIns="91425">
+            <a:noAutofit/>
+          </a:bodyPr>
+          <a:lstStyle/>
+          <a:p>
+            <a:pPr indent="0" lvl="0" marL="0" rtl="0" algn="l">
+              <a:spcBef>
+                <a:spcPts val="0"/>
+              </a:spcBef>
+              <a:spcAft>
+                <a:spcPts val="0"/>
+              </a:spcAft>
+              <a:buNone/>
+            </a:pPr>
+            <a:r>
+              <a:t/>
+            </a:r>
+            <a:endParaRPr/>
+          </a:p>
+        </p:txBody>
+      </p:sp>
+    </p:spTree>
+  </p:cSld>
+  <p:clrMapOvr>
+    <a:masterClrMapping/>
+  </p:clrMapOvr>
+</p:notes>
+</file>
+
+<file path=ppt/notesSlides/notesSlide12.xml><?xml version="1.0" encoding="utf-8"?>
+<p:notes xmlns:a="http://schemas.openxmlformats.org/drawingml/2006/main" xmlns:r="http://schemas.openxmlformats.org/officeDocument/2006/relationships" xmlns:mc="http://schemas.openxmlformats.org/markup-compatibility/2006" xmlns:mv="urn:schemas-microsoft-com:mac:vml" xmlns:p="http://schemas.openxmlformats.org/presentationml/2006/main" xmlns:c="http://schemas.openxmlformats.org/drawingml/2006/chart" xmlns:dgm="http://schemas.openxmlformats.org/drawingml/2006/diagram" xmlns:o="urn:schemas-microsoft-com:office:office" xmlns:v="urn:schemas-microsoft-com:vml" xmlns:pvml="urn:schemas-microsoft-com:office:powerpoint" xmlns:com="http://schemas.openxmlformats.org/drawingml/2006/compatibility" xmlns:p14="http://schemas.microsoft.com/office/powerpoint/2010/main" xmlns:p15="http://schemas.microsoft.com/office/powerpoint/2012/main" xmlns:ahyp="http://schemas.microsoft.com/office/drawing/2018/hyperlinkcolor" showMasterPhAnim="0" showMasterSp="0">
+  <p:cSld>
+    <p:spTree>
+      <p:nvGrpSpPr>
+        <p:cNvPr id="163" name="Shape 163"/>
+        <p:cNvGrpSpPr/>
+        <p:nvPr/>
+      </p:nvGrpSpPr>
+      <p:grpSpPr>
+        <a:xfrm>
+          <a:off x="0" y="0"/>
+          <a:ext cx="0" cy="0"/>
+          <a:chOff x="0" y="0"/>
+          <a:chExt cx="0" cy="0"/>
+        </a:xfrm>
+      </p:grpSpPr>
+      <p:sp>
+        <p:nvSpPr>
+          <p:cNvPr id="164" name="Google Shape;164;gfa13c80bfd_0_75:notes"/>
+          <p:cNvSpPr/>
+          <p:nvPr>
+            <p:ph idx="2" type="sldImg"/>
+          </p:nvPr>
+        </p:nvSpPr>
+        <p:spPr>
+          <a:xfrm>
+            <a:off x="381300" y="685800"/>
+            <a:ext cx="6096000" cy="3429000"/>
+          </a:xfrm>
+          <a:custGeom>
+            <a:rect b="b" l="l" r="r" t="t"/>
+            <a:pathLst>
+              <a:path extrusionOk="0" h="120000" w="120000">
+                <a:moveTo>
+                  <a:pt x="0" y="0"/>
+                </a:moveTo>
+                <a:lnTo>
+                  <a:pt x="120000" y="0"/>
+                </a:lnTo>
+                <a:lnTo>
+                  <a:pt x="120000" y="120000"/>
+                </a:lnTo>
+                <a:lnTo>
+                  <a:pt x="0" y="120000"/>
+                </a:lnTo>
+                <a:close/>
+              </a:path>
+            </a:pathLst>
+          </a:custGeom>
+        </p:spPr>
+      </p:sp>
+      <p:sp>
+        <p:nvSpPr>
+          <p:cNvPr id="165" name="Google Shape;165;gfa13c80bfd_0_75:notes"/>
+          <p:cNvSpPr txBox="1"/>
+          <p:nvPr>
+            <p:ph idx="1" type="body"/>
+          </p:nvPr>
+        </p:nvSpPr>
+        <p:spPr>
+          <a:xfrm>
+            <a:off x="685800" y="4343400"/>
+            <a:ext cx="5486400" cy="4114800"/>
+          </a:xfrm>
+          <a:prstGeom prst="rect">
+            <a:avLst/>
+          </a:prstGeom>
+        </p:spPr>
+        <p:txBody>
+          <a:bodyPr anchorCtr="0" anchor="t" bIns="91425" lIns="91425" spcFirstLastPara="1" rIns="91425" wrap="square" tIns="91425">
+            <a:noAutofit/>
+          </a:bodyPr>
+          <a:lstStyle/>
+          <a:p>
+            <a:pPr indent="0" lvl="0" marL="0" rtl="0" algn="l">
+              <a:spcBef>
+                <a:spcPts val="0"/>
+              </a:spcBef>
+              <a:spcAft>
+                <a:spcPts val="0"/>
+              </a:spcAft>
+              <a:buNone/>
+            </a:pPr>
+            <a:r>
+              <a:t/>
+            </a:r>
+            <a:endParaRPr/>
+          </a:p>
+        </p:txBody>
+      </p:sp>
+    </p:spTree>
+  </p:cSld>
+  <p:clrMapOvr>
+    <a:masterClrMapping/>
+  </p:clrMapOvr>
+</p:notes>
+</file>
+
+<file path=ppt/notesSlides/notesSlide13.xml><?xml version="1.0" encoding="utf-8"?>
+<p:notes xmlns:a="http://schemas.openxmlformats.org/drawingml/2006/main" xmlns:r="http://schemas.openxmlformats.org/officeDocument/2006/relationships" xmlns:mc="http://schemas.openxmlformats.org/markup-compatibility/2006" xmlns:mv="urn:schemas-microsoft-com:mac:vml" xmlns:p="http://schemas.openxmlformats.org/presentationml/2006/main" xmlns:c="http://schemas.openxmlformats.org/drawingml/2006/chart" xmlns:dgm="http://schemas.openxmlformats.org/drawingml/2006/diagram" xmlns:o="urn:schemas-microsoft-com:office:office" xmlns:v="urn:schemas-microsoft-com:vml" xmlns:pvml="urn:schemas-microsoft-com:office:powerpoint" xmlns:com="http://schemas.openxmlformats.org/drawingml/2006/compatibility" xmlns:p14="http://schemas.microsoft.com/office/powerpoint/2010/main" xmlns:p15="http://schemas.microsoft.com/office/powerpoint/2012/main" xmlns:ahyp="http://schemas.microsoft.com/office/drawing/2018/hyperlinkcolor" showMasterPhAnim="0" showMasterSp="0">
+  <p:cSld>
+    <p:spTree>
+      <p:nvGrpSpPr>
+        <p:cNvPr id="169" name="Shape 169"/>
+        <p:cNvGrpSpPr/>
+        <p:nvPr/>
+      </p:nvGrpSpPr>
+      <p:grpSpPr>
+        <a:xfrm>
+          <a:off x="0" y="0"/>
+          <a:ext cx="0" cy="0"/>
+          <a:chOff x="0" y="0"/>
+          <a:chExt cx="0" cy="0"/>
+        </a:xfrm>
+      </p:grpSpPr>
+      <p:sp>
+        <p:nvSpPr>
+          <p:cNvPr id="170" name="Google Shape;170;gfa13c80bfd_0_81:notes"/>
+          <p:cNvSpPr/>
+          <p:nvPr>
+            <p:ph idx="2" type="sldImg"/>
+          </p:nvPr>
+        </p:nvSpPr>
+        <p:spPr>
+          <a:xfrm>
+            <a:off x="381300" y="685800"/>
+            <a:ext cx="6096000" cy="3429000"/>
+          </a:xfrm>
+          <a:custGeom>
+            <a:rect b="b" l="l" r="r" t="t"/>
+            <a:pathLst>
+              <a:path extrusionOk="0" h="120000" w="120000">
+                <a:moveTo>
+                  <a:pt x="0" y="0"/>
+                </a:moveTo>
+                <a:lnTo>
+                  <a:pt x="120000" y="0"/>
+                </a:lnTo>
+                <a:lnTo>
+                  <a:pt x="120000" y="120000"/>
+                </a:lnTo>
+                <a:lnTo>
+                  <a:pt x="0" y="120000"/>
+                </a:lnTo>
+                <a:close/>
+              </a:path>
+            </a:pathLst>
+          </a:custGeom>
+        </p:spPr>
+      </p:sp>
+      <p:sp>
+        <p:nvSpPr>
+          <p:cNvPr id="171" name="Google Shape;171;gfa13c80bfd_0_81:notes"/>
           <p:cNvSpPr txBox="1"/>
           <p:nvPr>
             <p:ph idx="1" type="body"/>
@@ -1407,7 +1707,7 @@
       </p:grpSpPr>
       <p:sp>
         <p:nvSpPr>
-          <p:cNvPr id="130" name="Google Shape;130;gfa13c80bfd_0_138:notes"/>
+          <p:cNvPr id="130" name="Google Shape;130;gfa13c80bfd_0_157:notes"/>
           <p:cNvSpPr/>
           <p:nvPr>
             <p:ph idx="2" type="sldImg"/>
@@ -1442,7 +1742,7 @@
       </p:sp>
       <p:sp>
         <p:nvSpPr>
-          <p:cNvPr id="131" name="Google Shape;131;gfa13c80bfd_0_138:notes"/>
+          <p:cNvPr id="131" name="Google Shape;131;gfa13c80bfd_0_157:notes"/>
           <p:cNvSpPr txBox="1"/>
           <p:nvPr>
             <p:ph idx="1" type="body"/>
@@ -1492,7 +1792,7 @@
   <p:cSld>
     <p:spTree>
       <p:nvGrpSpPr>
-        <p:cNvPr id="135" name="Shape 135"/>
+        <p:cNvPr id="136" name="Shape 136"/>
         <p:cNvGrpSpPr/>
         <p:nvPr/>
       </p:nvGrpSpPr>
@@ -1506,7 +1806,7 @@
       </p:grpSpPr>
       <p:sp>
         <p:nvSpPr>
-          <p:cNvPr id="136" name="Google Shape;136;gfa13c80bfd_0_143:notes"/>
+          <p:cNvPr id="137" name="Google Shape;137;gfa13c80bfd_0_138:notes"/>
           <p:cNvSpPr/>
           <p:nvPr>
             <p:ph idx="2" type="sldImg"/>
@@ -1541,7 +1841,7 @@
       </p:sp>
       <p:sp>
         <p:nvSpPr>
-          <p:cNvPr id="137" name="Google Shape;137;gfa13c80bfd_0_143:notes"/>
+          <p:cNvPr id="138" name="Google Shape;138;gfa13c80bfd_0_138:notes"/>
           <p:cNvSpPr txBox="1"/>
           <p:nvPr>
             <p:ph idx="1" type="body"/>
@@ -1591,7 +1891,7 @@
   <p:cSld>
     <p:spTree>
       <p:nvGrpSpPr>
-        <p:cNvPr id="141" name="Shape 141"/>
+        <p:cNvPr id="142" name="Shape 142"/>
         <p:cNvGrpSpPr/>
         <p:nvPr/>
       </p:nvGrpSpPr>
@@ -1605,7 +1905,7 @@
       </p:grpSpPr>
       <p:sp>
         <p:nvSpPr>
-          <p:cNvPr id="142" name="Google Shape;142;gfa13c80bfd_0_75:notes"/>
+          <p:cNvPr id="143" name="Google Shape;143;gfa13c80bfd_0_143:notes"/>
           <p:cNvSpPr/>
           <p:nvPr>
             <p:ph idx="2" type="sldImg"/>
@@ -1640,7 +1940,7 @@
       </p:sp>
       <p:sp>
         <p:nvSpPr>
-          <p:cNvPr id="143" name="Google Shape;143;gfa13c80bfd_0_75:notes"/>
+          <p:cNvPr id="144" name="Google Shape;144;gfa13c80bfd_0_143:notes"/>
           <p:cNvSpPr txBox="1"/>
           <p:nvPr>
             <p:ph idx="1" type="body"/>
@@ -9585,7 +9885,7 @@
   <p:cSld>
     <p:spTree>
       <p:nvGrpSpPr>
-        <p:cNvPr id="150" name="Shape 150"/>
+        <p:cNvPr id="153" name="Shape 153"/>
         <p:cNvGrpSpPr/>
         <p:nvPr/>
       </p:nvGrpSpPr>
@@ -9599,7 +9899,7 @@
       </p:grpSpPr>
       <p:sp>
         <p:nvSpPr>
-          <p:cNvPr id="151" name="Google Shape;151;p25"/>
+          <p:cNvPr id="154" name="Google Shape;154;p25"/>
           <p:cNvSpPr txBox="1"/>
           <p:nvPr>
             <p:ph type="title"/>
@@ -9631,6 +9931,1131 @@
             </a:pPr>
             <a:r>
               <a:rPr lang="de"/>
+              <a:t>4. Zugriffsmodifikatoren</a:t>
+            </a:r>
+            <a:endParaRPr/>
+          </a:p>
+        </p:txBody>
+      </p:sp>
+      <p:graphicFrame>
+        <p:nvGraphicFramePr>
+          <p:cNvPr id="155" name="Google Shape;155;p25"/>
+          <p:cNvGraphicFramePr/>
+          <p:nvPr/>
+        </p:nvGraphicFramePr>
+        <p:xfrm>
+          <a:off x="952500" y="1973100"/>
+          <a:ext cx="3000000" cy="3000000"/>
+        </p:xfrm>
+        <a:graphic>
+          <a:graphicData uri="http://schemas.openxmlformats.org/drawingml/2006/table">
+            <a:tbl>
+              <a:tblPr>
+                <a:noFill/>
+                <a:tableStyleId>{228ADAFB-3664-45ED-9A1A-31229E1C848D}</a:tableStyleId>
+              </a:tblPr>
+              <a:tblGrid>
+                <a:gridCol w="1447800"/>
+                <a:gridCol w="1447800"/>
+                <a:gridCol w="1447800"/>
+                <a:gridCol w="1447800"/>
+                <a:gridCol w="1447800"/>
+              </a:tblGrid>
+              <a:tr h="381000">
+                <a:tc>
+                  <a:txBody>
+                    <a:bodyPr/>
+                    <a:lstStyle/>
+                    <a:p>
+                      <a:pPr indent="0" lvl="0" marL="0" rtl="0" algn="l">
+                        <a:spcBef>
+                          <a:spcPts val="0"/>
+                        </a:spcBef>
+                        <a:spcAft>
+                          <a:spcPts val="0"/>
+                        </a:spcAft>
+                        <a:buNone/>
+                      </a:pPr>
+                      <a:r>
+                        <a:rPr lang="de"/>
+                        <a:t>Schlüsselwort</a:t>
+                      </a:r>
+                      <a:endParaRPr/>
+                    </a:p>
+                  </a:txBody>
+                  <a:tcPr marT="91425" marB="91425" marR="91425" marL="91425"/>
+                </a:tc>
+                <a:tc>
+                  <a:txBody>
+                    <a:bodyPr/>
+                    <a:lstStyle/>
+                    <a:p>
+                      <a:pPr indent="0" lvl="0" marL="0" rtl="0" algn="l">
+                        <a:spcBef>
+                          <a:spcPts val="0"/>
+                        </a:spcBef>
+                        <a:spcAft>
+                          <a:spcPts val="0"/>
+                        </a:spcAft>
+                        <a:buNone/>
+                      </a:pPr>
+                      <a:r>
+                        <a:rPr lang="de"/>
+                        <a:t>selbe Klasse</a:t>
+                      </a:r>
+                      <a:endParaRPr/>
+                    </a:p>
+                  </a:txBody>
+                  <a:tcPr marT="91425" marB="91425" marR="91425" marL="91425"/>
+                </a:tc>
+                <a:tc>
+                  <a:txBody>
+                    <a:bodyPr/>
+                    <a:lstStyle/>
+                    <a:p>
+                      <a:pPr indent="0" lvl="0" marL="0" rtl="0" algn="l">
+                        <a:spcBef>
+                          <a:spcPts val="0"/>
+                        </a:spcBef>
+                        <a:spcAft>
+                          <a:spcPts val="0"/>
+                        </a:spcAft>
+                        <a:buNone/>
+                      </a:pPr>
+                      <a:r>
+                        <a:rPr lang="de"/>
+                        <a:t>selbes Paket</a:t>
+                      </a:r>
+                      <a:endParaRPr/>
+                    </a:p>
+                  </a:txBody>
+                  <a:tcPr marT="91425" marB="91425" marR="91425" marL="91425"/>
+                </a:tc>
+                <a:tc>
+                  <a:txBody>
+                    <a:bodyPr/>
+                    <a:lstStyle/>
+                    <a:p>
+                      <a:pPr indent="0" lvl="0" marL="0" rtl="0" algn="l">
+                        <a:spcBef>
+                          <a:spcPts val="0"/>
+                        </a:spcBef>
+                        <a:spcAft>
+                          <a:spcPts val="0"/>
+                        </a:spcAft>
+                        <a:buNone/>
+                      </a:pPr>
+                      <a:r>
+                        <a:rPr lang="de"/>
+                        <a:t>Subklasse</a:t>
+                      </a:r>
+                      <a:endParaRPr/>
+                    </a:p>
+                  </a:txBody>
+                  <a:tcPr marT="91425" marB="91425" marR="91425" marL="91425"/>
+                </a:tc>
+                <a:tc>
+                  <a:txBody>
+                    <a:bodyPr/>
+                    <a:lstStyle/>
+                    <a:p>
+                      <a:pPr indent="0" lvl="0" marL="0" rtl="0" algn="l">
+                        <a:spcBef>
+                          <a:spcPts val="0"/>
+                        </a:spcBef>
+                        <a:spcAft>
+                          <a:spcPts val="0"/>
+                        </a:spcAft>
+                        <a:buNone/>
+                      </a:pPr>
+                      <a:r>
+                        <a:rPr lang="de"/>
+                        <a:t>Global</a:t>
+                      </a:r>
+                      <a:endParaRPr/>
+                    </a:p>
+                  </a:txBody>
+                  <a:tcPr marT="91425" marB="91425" marR="91425" marL="91425"/>
+                </a:tc>
+              </a:tr>
+              <a:tr h="381000">
+                <a:tc>
+                  <a:txBody>
+                    <a:bodyPr/>
+                    <a:lstStyle/>
+                    <a:p>
+                      <a:pPr indent="0" lvl="0" marL="0" rtl="0" algn="l">
+                        <a:spcBef>
+                          <a:spcPts val="0"/>
+                        </a:spcBef>
+                        <a:spcAft>
+                          <a:spcPts val="0"/>
+                        </a:spcAft>
+                        <a:buNone/>
+                      </a:pPr>
+                      <a:r>
+                        <a:rPr lang="de"/>
+                        <a:t>private</a:t>
+                      </a:r>
+                      <a:endParaRPr/>
+                    </a:p>
+                  </a:txBody>
+                  <a:tcPr marT="91425" marB="91425" marR="91425" marL="91425"/>
+                </a:tc>
+                <a:tc>
+                  <a:txBody>
+                    <a:bodyPr/>
+                    <a:lstStyle/>
+                    <a:p>
+                      <a:pPr indent="0" lvl="0" marL="0" rtl="0" algn="ctr">
+                        <a:spcBef>
+                          <a:spcPts val="0"/>
+                        </a:spcBef>
+                        <a:spcAft>
+                          <a:spcPts val="0"/>
+                        </a:spcAft>
+                        <a:buClr>
+                          <a:schemeClr val="dk1"/>
+                        </a:buClr>
+                        <a:buSzPts val="1100"/>
+                        <a:buFont typeface="Arial"/>
+                        <a:buNone/>
+                      </a:pPr>
+                      <a:r>
+                        <a:rPr lang="de">
+                          <a:solidFill>
+                            <a:schemeClr val="dk1"/>
+                          </a:solidFill>
+                        </a:rPr>
+                        <a:t>✅</a:t>
+                      </a:r>
+                      <a:endParaRPr/>
+                    </a:p>
+                  </a:txBody>
+                  <a:tcPr marT="91425" marB="91425" marR="91425" marL="91425"/>
+                </a:tc>
+                <a:tc>
+                  <a:txBody>
+                    <a:bodyPr/>
+                    <a:lstStyle/>
+                    <a:p>
+                      <a:pPr indent="0" lvl="0" marL="0" rtl="0" algn="ctr">
+                        <a:spcBef>
+                          <a:spcPts val="0"/>
+                        </a:spcBef>
+                        <a:spcAft>
+                          <a:spcPts val="0"/>
+                        </a:spcAft>
+                        <a:buClr>
+                          <a:schemeClr val="dk1"/>
+                        </a:buClr>
+                        <a:buSzPts val="1100"/>
+                        <a:buFont typeface="Arial"/>
+                        <a:buNone/>
+                      </a:pPr>
+                      <a:r>
+                        <a:rPr lang="de"/>
+                        <a:t>❌</a:t>
+                      </a:r>
+                      <a:endParaRPr/>
+                    </a:p>
+                  </a:txBody>
+                  <a:tcPr marT="91425" marB="91425" marR="91425" marL="91425"/>
+                </a:tc>
+                <a:tc>
+                  <a:txBody>
+                    <a:bodyPr/>
+                    <a:lstStyle/>
+                    <a:p>
+                      <a:pPr indent="0" lvl="0" marL="0" rtl="0" algn="ctr">
+                        <a:spcBef>
+                          <a:spcPts val="0"/>
+                        </a:spcBef>
+                        <a:spcAft>
+                          <a:spcPts val="0"/>
+                        </a:spcAft>
+                        <a:buClr>
+                          <a:schemeClr val="dk1"/>
+                        </a:buClr>
+                        <a:buSzPts val="1100"/>
+                        <a:buFont typeface="Arial"/>
+                        <a:buNone/>
+                      </a:pPr>
+                      <a:r>
+                        <a:rPr lang="de">
+                          <a:solidFill>
+                            <a:schemeClr val="dk1"/>
+                          </a:solidFill>
+                        </a:rPr>
+                        <a:t>❌</a:t>
+                      </a:r>
+                      <a:endParaRPr/>
+                    </a:p>
+                  </a:txBody>
+                  <a:tcPr marT="91425" marB="91425" marR="91425" marL="91425"/>
+                </a:tc>
+                <a:tc>
+                  <a:txBody>
+                    <a:bodyPr/>
+                    <a:lstStyle/>
+                    <a:p>
+                      <a:pPr indent="0" lvl="0" marL="0" rtl="0" algn="ctr">
+                        <a:spcBef>
+                          <a:spcPts val="0"/>
+                        </a:spcBef>
+                        <a:spcAft>
+                          <a:spcPts val="0"/>
+                        </a:spcAft>
+                        <a:buClr>
+                          <a:schemeClr val="dk1"/>
+                        </a:buClr>
+                        <a:buSzPts val="1100"/>
+                        <a:buFont typeface="Arial"/>
+                        <a:buNone/>
+                      </a:pPr>
+                      <a:r>
+                        <a:rPr lang="de">
+                          <a:solidFill>
+                            <a:schemeClr val="dk1"/>
+                          </a:solidFill>
+                        </a:rPr>
+                        <a:t>❌</a:t>
+                      </a:r>
+                      <a:endParaRPr/>
+                    </a:p>
+                  </a:txBody>
+                  <a:tcPr marT="91425" marB="91425" marR="91425" marL="91425"/>
+                </a:tc>
+              </a:tr>
+              <a:tr h="381000">
+                <a:tc>
+                  <a:txBody>
+                    <a:bodyPr/>
+                    <a:lstStyle/>
+                    <a:p>
+                      <a:pPr indent="0" lvl="0" marL="0" rtl="0" algn="l">
+                        <a:spcBef>
+                          <a:spcPts val="0"/>
+                        </a:spcBef>
+                        <a:spcAft>
+                          <a:spcPts val="0"/>
+                        </a:spcAft>
+                        <a:buNone/>
+                      </a:pPr>
+                      <a:r>
+                        <a:rPr lang="de"/>
+                        <a:t>(ohne)</a:t>
+                      </a:r>
+                      <a:endParaRPr/>
+                    </a:p>
+                  </a:txBody>
+                  <a:tcPr marT="91425" marB="91425" marR="91425" marL="91425"/>
+                </a:tc>
+                <a:tc>
+                  <a:txBody>
+                    <a:bodyPr/>
+                    <a:lstStyle/>
+                    <a:p>
+                      <a:pPr indent="0" lvl="0" marL="0" rtl="0" algn="ctr">
+                        <a:spcBef>
+                          <a:spcPts val="0"/>
+                        </a:spcBef>
+                        <a:spcAft>
+                          <a:spcPts val="0"/>
+                        </a:spcAft>
+                        <a:buClr>
+                          <a:schemeClr val="dk1"/>
+                        </a:buClr>
+                        <a:buSzPts val="1100"/>
+                        <a:buFont typeface="Arial"/>
+                        <a:buNone/>
+                      </a:pPr>
+                      <a:r>
+                        <a:rPr lang="de">
+                          <a:solidFill>
+                            <a:schemeClr val="dk1"/>
+                          </a:solidFill>
+                        </a:rPr>
+                        <a:t>✅</a:t>
+                      </a:r>
+                      <a:endParaRPr/>
+                    </a:p>
+                  </a:txBody>
+                  <a:tcPr marT="91425" marB="91425" marR="91425" marL="91425"/>
+                </a:tc>
+                <a:tc>
+                  <a:txBody>
+                    <a:bodyPr/>
+                    <a:lstStyle/>
+                    <a:p>
+                      <a:pPr indent="0" lvl="0" marL="0" rtl="0" algn="ctr">
+                        <a:spcBef>
+                          <a:spcPts val="0"/>
+                        </a:spcBef>
+                        <a:spcAft>
+                          <a:spcPts val="0"/>
+                        </a:spcAft>
+                        <a:buClr>
+                          <a:schemeClr val="dk1"/>
+                        </a:buClr>
+                        <a:buSzPts val="1100"/>
+                        <a:buFont typeface="Arial"/>
+                        <a:buNone/>
+                      </a:pPr>
+                      <a:r>
+                        <a:rPr lang="de">
+                          <a:solidFill>
+                            <a:schemeClr val="dk1"/>
+                          </a:solidFill>
+                        </a:rPr>
+                        <a:t>✅</a:t>
+                      </a:r>
+                      <a:endParaRPr/>
+                    </a:p>
+                  </a:txBody>
+                  <a:tcPr marT="91425" marB="91425" marR="91425" marL="91425"/>
+                </a:tc>
+                <a:tc>
+                  <a:txBody>
+                    <a:bodyPr/>
+                    <a:lstStyle/>
+                    <a:p>
+                      <a:pPr indent="0" lvl="0" marL="0" rtl="0" algn="ctr">
+                        <a:spcBef>
+                          <a:spcPts val="0"/>
+                        </a:spcBef>
+                        <a:spcAft>
+                          <a:spcPts val="0"/>
+                        </a:spcAft>
+                        <a:buClr>
+                          <a:schemeClr val="dk1"/>
+                        </a:buClr>
+                        <a:buSzPts val="1100"/>
+                        <a:buFont typeface="Arial"/>
+                        <a:buNone/>
+                      </a:pPr>
+                      <a:r>
+                        <a:rPr lang="de">
+                          <a:solidFill>
+                            <a:schemeClr val="dk1"/>
+                          </a:solidFill>
+                        </a:rPr>
+                        <a:t>❌</a:t>
+                      </a:r>
+                      <a:endParaRPr/>
+                    </a:p>
+                  </a:txBody>
+                  <a:tcPr marT="91425" marB="91425" marR="91425" marL="91425"/>
+                </a:tc>
+                <a:tc>
+                  <a:txBody>
+                    <a:bodyPr/>
+                    <a:lstStyle/>
+                    <a:p>
+                      <a:pPr indent="0" lvl="0" marL="0" rtl="0" algn="ctr">
+                        <a:spcBef>
+                          <a:spcPts val="0"/>
+                        </a:spcBef>
+                        <a:spcAft>
+                          <a:spcPts val="0"/>
+                        </a:spcAft>
+                        <a:buClr>
+                          <a:schemeClr val="dk1"/>
+                        </a:buClr>
+                        <a:buSzPts val="1100"/>
+                        <a:buFont typeface="Arial"/>
+                        <a:buNone/>
+                      </a:pPr>
+                      <a:r>
+                        <a:rPr lang="de">
+                          <a:solidFill>
+                            <a:schemeClr val="dk1"/>
+                          </a:solidFill>
+                        </a:rPr>
+                        <a:t>❌</a:t>
+                      </a:r>
+                      <a:endParaRPr/>
+                    </a:p>
+                  </a:txBody>
+                  <a:tcPr marT="91425" marB="91425" marR="91425" marL="91425"/>
+                </a:tc>
+              </a:tr>
+              <a:tr h="381000">
+                <a:tc>
+                  <a:txBody>
+                    <a:bodyPr/>
+                    <a:lstStyle/>
+                    <a:p>
+                      <a:pPr indent="0" lvl="0" marL="0" rtl="0" algn="l">
+                        <a:spcBef>
+                          <a:spcPts val="0"/>
+                        </a:spcBef>
+                        <a:spcAft>
+                          <a:spcPts val="0"/>
+                        </a:spcAft>
+                        <a:buNone/>
+                      </a:pPr>
+                      <a:r>
+                        <a:rPr lang="de"/>
+                        <a:t>protected</a:t>
+                      </a:r>
+                      <a:endParaRPr/>
+                    </a:p>
+                  </a:txBody>
+                  <a:tcPr marT="91425" marB="91425" marR="91425" marL="91425"/>
+                </a:tc>
+                <a:tc>
+                  <a:txBody>
+                    <a:bodyPr/>
+                    <a:lstStyle/>
+                    <a:p>
+                      <a:pPr indent="0" lvl="0" marL="0" rtl="0" algn="ctr">
+                        <a:spcBef>
+                          <a:spcPts val="0"/>
+                        </a:spcBef>
+                        <a:spcAft>
+                          <a:spcPts val="0"/>
+                        </a:spcAft>
+                        <a:buClr>
+                          <a:schemeClr val="dk1"/>
+                        </a:buClr>
+                        <a:buSzPts val="1100"/>
+                        <a:buFont typeface="Arial"/>
+                        <a:buNone/>
+                      </a:pPr>
+                      <a:r>
+                        <a:rPr lang="de">
+                          <a:solidFill>
+                            <a:schemeClr val="dk1"/>
+                          </a:solidFill>
+                        </a:rPr>
+                        <a:t>✅</a:t>
+                      </a:r>
+                      <a:endParaRPr/>
+                    </a:p>
+                  </a:txBody>
+                  <a:tcPr marT="91425" marB="91425" marR="91425" marL="91425"/>
+                </a:tc>
+                <a:tc>
+                  <a:txBody>
+                    <a:bodyPr/>
+                    <a:lstStyle/>
+                    <a:p>
+                      <a:pPr indent="0" lvl="0" marL="0" rtl="0" algn="ctr">
+                        <a:spcBef>
+                          <a:spcPts val="0"/>
+                        </a:spcBef>
+                        <a:spcAft>
+                          <a:spcPts val="0"/>
+                        </a:spcAft>
+                        <a:buClr>
+                          <a:schemeClr val="dk1"/>
+                        </a:buClr>
+                        <a:buSzPts val="1100"/>
+                        <a:buFont typeface="Arial"/>
+                        <a:buNone/>
+                      </a:pPr>
+                      <a:r>
+                        <a:rPr lang="de">
+                          <a:solidFill>
+                            <a:schemeClr val="dk1"/>
+                          </a:solidFill>
+                        </a:rPr>
+                        <a:t>✅</a:t>
+                      </a:r>
+                      <a:endParaRPr/>
+                    </a:p>
+                  </a:txBody>
+                  <a:tcPr marT="91425" marB="91425" marR="91425" marL="91425"/>
+                </a:tc>
+                <a:tc>
+                  <a:txBody>
+                    <a:bodyPr/>
+                    <a:lstStyle/>
+                    <a:p>
+                      <a:pPr indent="0" lvl="0" marL="0" rtl="0" algn="ctr">
+                        <a:spcBef>
+                          <a:spcPts val="0"/>
+                        </a:spcBef>
+                        <a:spcAft>
+                          <a:spcPts val="0"/>
+                        </a:spcAft>
+                        <a:buClr>
+                          <a:schemeClr val="dk1"/>
+                        </a:buClr>
+                        <a:buSzPts val="1100"/>
+                        <a:buFont typeface="Arial"/>
+                        <a:buNone/>
+                      </a:pPr>
+                      <a:r>
+                        <a:rPr lang="de">
+                          <a:solidFill>
+                            <a:schemeClr val="dk1"/>
+                          </a:solidFill>
+                        </a:rPr>
+                        <a:t>✅</a:t>
+                      </a:r>
+                      <a:endParaRPr/>
+                    </a:p>
+                  </a:txBody>
+                  <a:tcPr marT="91425" marB="91425" marR="91425" marL="91425"/>
+                </a:tc>
+                <a:tc>
+                  <a:txBody>
+                    <a:bodyPr/>
+                    <a:lstStyle/>
+                    <a:p>
+                      <a:pPr indent="0" lvl="0" marL="0" rtl="0" algn="ctr">
+                        <a:spcBef>
+                          <a:spcPts val="0"/>
+                        </a:spcBef>
+                        <a:spcAft>
+                          <a:spcPts val="0"/>
+                        </a:spcAft>
+                        <a:buClr>
+                          <a:schemeClr val="dk1"/>
+                        </a:buClr>
+                        <a:buSzPts val="1100"/>
+                        <a:buFont typeface="Arial"/>
+                        <a:buNone/>
+                      </a:pPr>
+                      <a:r>
+                        <a:rPr lang="de">
+                          <a:solidFill>
+                            <a:schemeClr val="dk1"/>
+                          </a:solidFill>
+                        </a:rPr>
+                        <a:t>❌</a:t>
+                      </a:r>
+                      <a:endParaRPr/>
+                    </a:p>
+                  </a:txBody>
+                  <a:tcPr marT="91425" marB="91425" marR="91425" marL="91425"/>
+                </a:tc>
+              </a:tr>
+              <a:tr h="381000">
+                <a:tc>
+                  <a:txBody>
+                    <a:bodyPr/>
+                    <a:lstStyle/>
+                    <a:p>
+                      <a:pPr indent="0" lvl="0" marL="0" rtl="0" algn="l">
+                        <a:spcBef>
+                          <a:spcPts val="0"/>
+                        </a:spcBef>
+                        <a:spcAft>
+                          <a:spcPts val="0"/>
+                        </a:spcAft>
+                        <a:buNone/>
+                      </a:pPr>
+                      <a:r>
+                        <a:rPr lang="de"/>
+                        <a:t>public</a:t>
+                      </a:r>
+                      <a:endParaRPr/>
+                    </a:p>
+                  </a:txBody>
+                  <a:tcPr marT="91425" marB="91425" marR="91425" marL="91425"/>
+                </a:tc>
+                <a:tc>
+                  <a:txBody>
+                    <a:bodyPr/>
+                    <a:lstStyle/>
+                    <a:p>
+                      <a:pPr indent="0" lvl="0" marL="0" rtl="0" algn="ctr">
+                        <a:spcBef>
+                          <a:spcPts val="0"/>
+                        </a:spcBef>
+                        <a:spcAft>
+                          <a:spcPts val="0"/>
+                        </a:spcAft>
+                        <a:buClr>
+                          <a:schemeClr val="dk1"/>
+                        </a:buClr>
+                        <a:buSzPts val="1100"/>
+                        <a:buFont typeface="Arial"/>
+                        <a:buNone/>
+                      </a:pPr>
+                      <a:r>
+                        <a:rPr lang="de">
+                          <a:solidFill>
+                            <a:schemeClr val="dk1"/>
+                          </a:solidFill>
+                        </a:rPr>
+                        <a:t>✅</a:t>
+                      </a:r>
+                      <a:endParaRPr/>
+                    </a:p>
+                  </a:txBody>
+                  <a:tcPr marT="91425" marB="91425" marR="91425" marL="91425"/>
+                </a:tc>
+                <a:tc>
+                  <a:txBody>
+                    <a:bodyPr/>
+                    <a:lstStyle/>
+                    <a:p>
+                      <a:pPr indent="0" lvl="0" marL="0" rtl="0" algn="ctr">
+                        <a:spcBef>
+                          <a:spcPts val="0"/>
+                        </a:spcBef>
+                        <a:spcAft>
+                          <a:spcPts val="0"/>
+                        </a:spcAft>
+                        <a:buClr>
+                          <a:schemeClr val="dk1"/>
+                        </a:buClr>
+                        <a:buSzPts val="1100"/>
+                        <a:buFont typeface="Arial"/>
+                        <a:buNone/>
+                      </a:pPr>
+                      <a:r>
+                        <a:rPr lang="de">
+                          <a:solidFill>
+                            <a:schemeClr val="dk1"/>
+                          </a:solidFill>
+                        </a:rPr>
+                        <a:t>✅</a:t>
+                      </a:r>
+                      <a:endParaRPr/>
+                    </a:p>
+                  </a:txBody>
+                  <a:tcPr marT="91425" marB="91425" marR="91425" marL="91425"/>
+                </a:tc>
+                <a:tc>
+                  <a:txBody>
+                    <a:bodyPr/>
+                    <a:lstStyle/>
+                    <a:p>
+                      <a:pPr indent="0" lvl="0" marL="0" rtl="0" algn="ctr">
+                        <a:spcBef>
+                          <a:spcPts val="0"/>
+                        </a:spcBef>
+                        <a:spcAft>
+                          <a:spcPts val="0"/>
+                        </a:spcAft>
+                        <a:buClr>
+                          <a:schemeClr val="dk1"/>
+                        </a:buClr>
+                        <a:buSzPts val="1100"/>
+                        <a:buFont typeface="Arial"/>
+                        <a:buNone/>
+                      </a:pPr>
+                      <a:r>
+                        <a:rPr lang="de">
+                          <a:solidFill>
+                            <a:schemeClr val="dk1"/>
+                          </a:solidFill>
+                        </a:rPr>
+                        <a:t>✅</a:t>
+                      </a:r>
+                      <a:endParaRPr/>
+                    </a:p>
+                  </a:txBody>
+                  <a:tcPr marT="91425" marB="91425" marR="91425" marL="91425"/>
+                </a:tc>
+                <a:tc>
+                  <a:txBody>
+                    <a:bodyPr/>
+                    <a:lstStyle/>
+                    <a:p>
+                      <a:pPr indent="0" lvl="0" marL="0" rtl="0" algn="ctr">
+                        <a:spcBef>
+                          <a:spcPts val="0"/>
+                        </a:spcBef>
+                        <a:spcAft>
+                          <a:spcPts val="0"/>
+                        </a:spcAft>
+                        <a:buClr>
+                          <a:schemeClr val="dk1"/>
+                        </a:buClr>
+                        <a:buSzPts val="1100"/>
+                        <a:buFont typeface="Arial"/>
+                        <a:buNone/>
+                      </a:pPr>
+                      <a:r>
+                        <a:rPr lang="de">
+                          <a:solidFill>
+                            <a:schemeClr val="dk1"/>
+                          </a:solidFill>
+                        </a:rPr>
+                        <a:t>✅</a:t>
+                      </a:r>
+                      <a:endParaRPr/>
+                    </a:p>
+                  </a:txBody>
+                  <a:tcPr marT="91425" marB="91425" marR="91425" marL="91425"/>
+                </a:tc>
+              </a:tr>
+            </a:tbl>
+          </a:graphicData>
+        </a:graphic>
+      </p:graphicFrame>
+      <p:sp>
+        <p:nvSpPr>
+          <p:cNvPr id="156" name="Google Shape;156;p25"/>
+          <p:cNvSpPr txBox="1"/>
+          <p:nvPr/>
+        </p:nvSpPr>
+        <p:spPr>
+          <a:xfrm>
+            <a:off x="897025" y="847650"/>
+            <a:ext cx="7294500" cy="615600"/>
+          </a:xfrm>
+          <a:prstGeom prst="rect">
+            <a:avLst/>
+          </a:prstGeom>
+          <a:noFill/>
+          <a:ln>
+            <a:noFill/>
+          </a:ln>
+        </p:spPr>
+        <p:txBody>
+          <a:bodyPr anchorCtr="0" anchor="t" bIns="91425" lIns="91425" spcFirstLastPara="1" rIns="91425" wrap="square" tIns="91425">
+            <a:spAutoFit/>
+          </a:bodyPr>
+          <a:lstStyle/>
+          <a:p>
+            <a:pPr indent="0" lvl="0" marL="0" rtl="0" algn="l">
+              <a:spcBef>
+                <a:spcPts val="0"/>
+              </a:spcBef>
+              <a:spcAft>
+                <a:spcPts val="0"/>
+              </a:spcAft>
+              <a:buNone/>
+            </a:pPr>
+            <a:r>
+              <a:rPr lang="de"/>
+              <a:t>Zugriffsmodifikatoren von Klassen, Attributen, Klassenvariablen, Funktionen und Methoden geben an, von wo aus auf diese zugegriffen werden können soll.</a:t>
+            </a:r>
+            <a:endParaRPr/>
+          </a:p>
+        </p:txBody>
+      </p:sp>
+    </p:spTree>
+  </p:cSld>
+  <p:clrMapOvr>
+    <a:masterClrMapping/>
+  </p:clrMapOvr>
+</p:sld>
+</file>
+
+<file path=ppt/slides/slide11.xml><?xml version="1.0" encoding="utf-8"?>
+<p:sld xmlns:a="http://schemas.openxmlformats.org/drawingml/2006/main" xmlns:r="http://schemas.openxmlformats.org/officeDocument/2006/relationships" xmlns:mc="http://schemas.openxmlformats.org/markup-compatibility/2006" xmlns:mv="urn:schemas-microsoft-com:mac:vml" xmlns:p="http://schemas.openxmlformats.org/presentationml/2006/main" xmlns:c="http://schemas.openxmlformats.org/drawingml/2006/chart" xmlns:dgm="http://schemas.openxmlformats.org/drawingml/2006/diagram" xmlns:o="urn:schemas-microsoft-com:office:office" xmlns:v="urn:schemas-microsoft-com:vml" xmlns:pvml="urn:schemas-microsoft-com:office:powerpoint" xmlns:com="http://schemas.openxmlformats.org/drawingml/2006/compatibility" xmlns:p14="http://schemas.microsoft.com/office/powerpoint/2010/main" xmlns:p15="http://schemas.microsoft.com/office/powerpoint/2012/main" xmlns:ahyp="http://schemas.microsoft.com/office/drawing/2018/hyperlinkcolor">
+  <p:cSld>
+    <p:spTree>
+      <p:nvGrpSpPr>
+        <p:cNvPr id="160" name="Shape 160"/>
+        <p:cNvGrpSpPr/>
+        <p:nvPr/>
+      </p:nvGrpSpPr>
+      <p:grpSpPr>
+        <a:xfrm>
+          <a:off x="0" y="0"/>
+          <a:ext cx="0" cy="0"/>
+          <a:chOff x="0" y="0"/>
+          <a:chExt cx="0" cy="0"/>
+        </a:xfrm>
+      </p:grpSpPr>
+      <p:sp>
+        <p:nvSpPr>
+          <p:cNvPr id="161" name="Google Shape;161;p26"/>
+          <p:cNvSpPr txBox="1"/>
+          <p:nvPr>
+            <p:ph type="title"/>
+          </p:nvPr>
+        </p:nvSpPr>
+        <p:spPr>
+          <a:xfrm>
+            <a:off x="431800" y="83344"/>
+            <a:ext cx="8375700" cy="531000"/>
+          </a:xfrm>
+          <a:prstGeom prst="rect">
+            <a:avLst/>
+          </a:prstGeom>
+        </p:spPr>
+        <p:txBody>
+          <a:bodyPr anchorCtr="0" anchor="b" bIns="0" lIns="0" spcFirstLastPara="1" rIns="0" wrap="square" tIns="0">
+            <a:noAutofit/>
+          </a:bodyPr>
+          <a:lstStyle/>
+          <a:p>
+            <a:pPr indent="0" lvl="0" marL="0" rtl="0" algn="l">
+              <a:spcBef>
+                <a:spcPts val="0"/>
+              </a:spcBef>
+              <a:spcAft>
+                <a:spcPts val="0"/>
+              </a:spcAft>
+              <a:buNone/>
+            </a:pPr>
+            <a:r>
+              <a:rPr lang="de"/>
+              <a:t>5. Fragen</a:t>
+            </a:r>
+            <a:endParaRPr/>
+          </a:p>
+        </p:txBody>
+      </p:sp>
+      <p:sp>
+        <p:nvSpPr>
+          <p:cNvPr id="162" name="Google Shape;162;p26"/>
+          <p:cNvSpPr/>
+          <p:nvPr>
+            <p:ph idx="2" type="chart"/>
+          </p:nvPr>
+        </p:nvSpPr>
+        <p:spPr>
+          <a:xfrm>
+            <a:off x="431800" y="782241"/>
+            <a:ext cx="8375700" cy="3579000"/>
+          </a:xfrm>
+          <a:prstGeom prst="rect">
+            <a:avLst/>
+          </a:prstGeom>
+        </p:spPr>
+        <p:txBody>
+          <a:bodyPr anchorCtr="0" anchor="t" bIns="0" lIns="0" spcFirstLastPara="1" rIns="0" wrap="square" tIns="0">
+            <a:noAutofit/>
+          </a:bodyPr>
+          <a:lstStyle/>
+          <a:p>
+            <a:pPr indent="0" lvl="0" marL="0" rtl="0" algn="ctr">
+              <a:spcBef>
+                <a:spcPts val="320"/>
+              </a:spcBef>
+              <a:spcAft>
+                <a:spcPts val="0"/>
+              </a:spcAft>
+              <a:buClr>
+                <a:schemeClr val="dk1"/>
+              </a:buClr>
+              <a:buSzPts val="1100"/>
+              <a:buFont typeface="Arial"/>
+              <a:buNone/>
+            </a:pPr>
+            <a:r>
+              <a:t/>
+            </a:r>
+            <a:endParaRPr/>
+          </a:p>
+          <a:p>
+            <a:pPr indent="0" lvl="0" marL="0" rtl="0" algn="ctr">
+              <a:spcBef>
+                <a:spcPts val="320"/>
+              </a:spcBef>
+              <a:spcAft>
+                <a:spcPts val="0"/>
+              </a:spcAft>
+              <a:buClr>
+                <a:schemeClr val="dk1"/>
+              </a:buClr>
+              <a:buSzPts val="1100"/>
+              <a:buFont typeface="Arial"/>
+              <a:buNone/>
+            </a:pPr>
+            <a:r>
+              <a:t/>
+            </a:r>
+            <a:endParaRPr/>
+          </a:p>
+          <a:p>
+            <a:pPr indent="0" lvl="0" marL="0" rtl="0" algn="ctr">
+              <a:spcBef>
+                <a:spcPts val="320"/>
+              </a:spcBef>
+              <a:spcAft>
+                <a:spcPts val="0"/>
+              </a:spcAft>
+              <a:buClr>
+                <a:schemeClr val="dk1"/>
+              </a:buClr>
+              <a:buSzPts val="1100"/>
+              <a:buFont typeface="Arial"/>
+              <a:buNone/>
+            </a:pPr>
+            <a:r>
+              <a:t/>
+            </a:r>
+            <a:endParaRPr/>
+          </a:p>
+          <a:p>
+            <a:pPr indent="0" lvl="0" marL="0" rtl="0" algn="ctr">
+              <a:spcBef>
+                <a:spcPts val="320"/>
+              </a:spcBef>
+              <a:spcAft>
+                <a:spcPts val="0"/>
+              </a:spcAft>
+              <a:buClr>
+                <a:schemeClr val="dk1"/>
+              </a:buClr>
+              <a:buSzPts val="1100"/>
+              <a:buFont typeface="Arial"/>
+              <a:buNone/>
+            </a:pPr>
+            <a:r>
+              <a:t/>
+            </a:r>
+            <a:endParaRPr/>
+          </a:p>
+          <a:p>
+            <a:pPr indent="0" lvl="0" marL="0" rtl="0" algn="ctr">
+              <a:spcBef>
+                <a:spcPts val="320"/>
+              </a:spcBef>
+              <a:spcAft>
+                <a:spcPts val="0"/>
+              </a:spcAft>
+              <a:buClr>
+                <a:schemeClr val="dk1"/>
+              </a:buClr>
+              <a:buSzPts val="1100"/>
+              <a:buFont typeface="Arial"/>
+              <a:buNone/>
+            </a:pPr>
+            <a:r>
+              <a:t/>
+            </a:r>
+            <a:endParaRPr/>
+          </a:p>
+          <a:p>
+            <a:pPr indent="0" lvl="0" marL="0" rtl="0" algn="ctr">
+              <a:spcBef>
+                <a:spcPts val="320"/>
+              </a:spcBef>
+              <a:spcAft>
+                <a:spcPts val="0"/>
+              </a:spcAft>
+              <a:buClr>
+                <a:schemeClr val="dk1"/>
+              </a:buClr>
+              <a:buSzPts val="1100"/>
+              <a:buFont typeface="Arial"/>
+              <a:buNone/>
+            </a:pPr>
+            <a:r>
+              <a:t/>
+            </a:r>
+            <a:endParaRPr/>
+          </a:p>
+          <a:p>
+            <a:pPr indent="0" lvl="0" marL="0" rtl="0" algn="ctr">
+              <a:spcBef>
+                <a:spcPts val="320"/>
+              </a:spcBef>
+              <a:spcAft>
+                <a:spcPts val="0"/>
+              </a:spcAft>
+              <a:buClr>
+                <a:schemeClr val="dk1"/>
+              </a:buClr>
+              <a:buSzPts val="1100"/>
+              <a:buFont typeface="Arial"/>
+              <a:buNone/>
+            </a:pPr>
+            <a:r>
+              <a:rPr lang="de" sz="3600"/>
+              <a:t>Fragen</a:t>
+            </a:r>
+            <a:endParaRPr sz="3600"/>
+          </a:p>
+          <a:p>
+            <a:pPr indent="0" lvl="0" marL="0" rtl="0" algn="l">
+              <a:spcBef>
+                <a:spcPts val="320"/>
+              </a:spcBef>
+              <a:spcAft>
+                <a:spcPts val="0"/>
+              </a:spcAft>
+              <a:buClr>
+                <a:schemeClr val="dk1"/>
+              </a:buClr>
+              <a:buSzPts val="1100"/>
+              <a:buFont typeface="Arial"/>
+              <a:buNone/>
+            </a:pPr>
+            <a:r>
+              <a:t/>
+            </a:r>
+            <a:endParaRPr/>
+          </a:p>
+          <a:p>
+            <a:pPr indent="0" lvl="0" marL="0" rtl="0" algn="l">
+              <a:spcBef>
+                <a:spcPts val="320"/>
+              </a:spcBef>
+              <a:spcAft>
+                <a:spcPts val="0"/>
+              </a:spcAft>
+              <a:buNone/>
+            </a:pPr>
+            <a:r>
+              <a:t/>
+            </a:r>
+            <a:endParaRPr/>
+          </a:p>
+        </p:txBody>
+      </p:sp>
+    </p:spTree>
+  </p:cSld>
+  <p:clrMapOvr>
+    <a:masterClrMapping/>
+  </p:clrMapOvr>
+</p:sld>
+</file>
+
+<file path=ppt/slides/slide12.xml><?xml version="1.0" encoding="utf-8"?>
+<p:sld xmlns:a="http://schemas.openxmlformats.org/drawingml/2006/main" xmlns:r="http://schemas.openxmlformats.org/officeDocument/2006/relationships" xmlns:mc="http://schemas.openxmlformats.org/markup-compatibility/2006" xmlns:mv="urn:schemas-microsoft-com:mac:vml" xmlns:p="http://schemas.openxmlformats.org/presentationml/2006/main" xmlns:c="http://schemas.openxmlformats.org/drawingml/2006/chart" xmlns:dgm="http://schemas.openxmlformats.org/drawingml/2006/diagram" xmlns:o="urn:schemas-microsoft-com:office:office" xmlns:v="urn:schemas-microsoft-com:vml" xmlns:pvml="urn:schemas-microsoft-com:office:powerpoint" xmlns:com="http://schemas.openxmlformats.org/drawingml/2006/compatibility" xmlns:p14="http://schemas.microsoft.com/office/powerpoint/2010/main" xmlns:p15="http://schemas.microsoft.com/office/powerpoint/2012/main" xmlns:ahyp="http://schemas.microsoft.com/office/drawing/2018/hyperlinkcolor">
+  <p:cSld>
+    <p:spTree>
+      <p:nvGrpSpPr>
+        <p:cNvPr id="166" name="Shape 166"/>
+        <p:cNvGrpSpPr/>
+        <p:nvPr/>
+      </p:nvGrpSpPr>
+      <p:grpSpPr>
+        <a:xfrm>
+          <a:off x="0" y="0"/>
+          <a:ext cx="0" cy="0"/>
+          <a:chOff x="0" y="0"/>
+          <a:chExt cx="0" cy="0"/>
+        </a:xfrm>
+      </p:grpSpPr>
+      <p:sp>
+        <p:nvSpPr>
+          <p:cNvPr id="167" name="Google Shape;167;p27"/>
+          <p:cNvSpPr txBox="1"/>
+          <p:nvPr>
+            <p:ph type="title"/>
+          </p:nvPr>
+        </p:nvSpPr>
+        <p:spPr>
+          <a:xfrm>
+            <a:off x="431800" y="83344"/>
+            <a:ext cx="8375700" cy="531000"/>
+          </a:xfrm>
+          <a:prstGeom prst="rect">
+            <a:avLst/>
+          </a:prstGeom>
+        </p:spPr>
+        <p:txBody>
+          <a:bodyPr anchorCtr="0" anchor="b" bIns="0" lIns="0" spcFirstLastPara="1" rIns="0" wrap="square" tIns="0">
+            <a:noAutofit/>
+          </a:bodyPr>
+          <a:lstStyle/>
+          <a:p>
+            <a:pPr indent="0" lvl="0" marL="0" rtl="0" algn="l">
+              <a:spcBef>
+                <a:spcPts val="0"/>
+              </a:spcBef>
+              <a:spcAft>
+                <a:spcPts val="0"/>
+              </a:spcAft>
+              <a:buNone/>
+            </a:pPr>
+            <a:r>
+              <a:rPr lang="de"/>
               <a:t>6. Übungsaufgaben</a:t>
             </a:r>
             <a:endParaRPr/>
@@ -9639,7 +11064,7 @@
       </p:sp>
       <p:sp>
         <p:nvSpPr>
-          <p:cNvPr id="152" name="Google Shape;152;p25"/>
+          <p:cNvPr id="168" name="Google Shape;168;p27"/>
           <p:cNvSpPr/>
           <p:nvPr>
             <p:ph idx="2" type="chart"/>
@@ -9675,6 +11100,217 @@
             </a:pPr>
             <a:r>
               <a:rPr lang="de"/>
+              <a:t>Alternative 1: Palindrom-Detektor</a:t>
+            </a:r>
+            <a:endParaRPr/>
+          </a:p>
+          <a:p>
+            <a:pPr indent="-330200" lvl="1" marL="914400" rtl="0" algn="l">
+              <a:spcBef>
+                <a:spcPts val="0"/>
+              </a:spcBef>
+              <a:spcAft>
+                <a:spcPts val="0"/>
+              </a:spcAft>
+              <a:buSzPts val="1600"/>
+              <a:buChar char="-"/>
+            </a:pPr>
+            <a:r>
+              <a:rPr lang="de"/>
+              <a:t>Es soll dem Programm ein String, entweder über Kommandozeilenparameter oder über die Scanner-Klasse übergeben werden können.</a:t>
+            </a:r>
+            <a:endParaRPr/>
+          </a:p>
+          <a:p>
+            <a:pPr indent="-330200" lvl="1" marL="914400" rtl="0" algn="l">
+              <a:spcBef>
+                <a:spcPts val="0"/>
+              </a:spcBef>
+              <a:spcAft>
+                <a:spcPts val="0"/>
+              </a:spcAft>
+              <a:buSzPts val="1600"/>
+              <a:buChar char="-"/>
+            </a:pPr>
+            <a:r>
+              <a:rPr lang="de"/>
+              <a:t>Das Programm soll dann testen, ob der String ein Palindrom ist und dementsprechend eine Kommandozeilenausgabe machen.</a:t>
+            </a:r>
+            <a:endParaRPr/>
+          </a:p>
+          <a:p>
+            <a:pPr indent="-330200" lvl="1" marL="914400" rtl="0" algn="l">
+              <a:spcBef>
+                <a:spcPts val="0"/>
+              </a:spcBef>
+              <a:spcAft>
+                <a:spcPts val="0"/>
+              </a:spcAft>
+              <a:buSzPts val="1600"/>
+              <a:buChar char="-"/>
+            </a:pPr>
+            <a:r>
+              <a:rPr lang="de"/>
+              <a:t>Dazu soll eine weitere Klasse mit einer Palindrom-Test-Funktion geschrieben werden, die hierfür genutzt wird (analog zum showcase).</a:t>
+            </a:r>
+            <a:endParaRPr/>
+          </a:p>
+          <a:p>
+            <a:pPr indent="-330200" lvl="1" marL="914400" rtl="0" algn="l">
+              <a:spcBef>
+                <a:spcPts val="0"/>
+              </a:spcBef>
+              <a:spcAft>
+                <a:spcPts val="0"/>
+              </a:spcAft>
+              <a:buSzPts val="1600"/>
+              <a:buChar char="-"/>
+            </a:pPr>
+            <a:r>
+              <a:rPr lang="de"/>
+              <a:t>Hinweis: Palindrome sind Zeichenketten, die sich von vorne und von hinter gleich lesen (Beispiel: "anna" ist rückwärts gelesen auch "anna")</a:t>
+            </a:r>
+            <a:endParaRPr/>
+          </a:p>
+          <a:p>
+            <a:pPr indent="-330200" lvl="1" marL="914400" rtl="0" algn="l">
+              <a:spcBef>
+                <a:spcPts val="0"/>
+              </a:spcBef>
+              <a:spcAft>
+                <a:spcPts val="0"/>
+              </a:spcAft>
+              <a:buSzPts val="1600"/>
+              <a:buChar char="-"/>
+            </a:pPr>
+            <a:r>
+              <a:rPr lang="de"/>
+              <a:t>Tipp: mit &lt;String&gt;.charAt(index) kann man auf das Zeichen an einer bestimmten Stelle eines Strings zugreifen. ( =&gt; “asd”.charAt(1) ⇒ ‘d’</a:t>
+            </a:r>
+            <a:endParaRPr/>
+          </a:p>
+          <a:p>
+            <a:pPr indent="-330200" lvl="1" marL="914400" rtl="0" algn="l">
+              <a:spcBef>
+                <a:spcPts val="0"/>
+              </a:spcBef>
+              <a:spcAft>
+                <a:spcPts val="0"/>
+              </a:spcAft>
+              <a:buSzPts val="1600"/>
+              <a:buChar char="-"/>
+            </a:pPr>
+            <a:r>
+              <a:rPr lang="de"/>
+              <a:t>Optional: Umgehen von Case Sensitivität ("Anna" soll auch als Palindrom erkannt werden)</a:t>
+            </a:r>
+            <a:endParaRPr/>
+          </a:p>
+        </p:txBody>
+      </p:sp>
+    </p:spTree>
+  </p:cSld>
+  <p:clrMapOvr>
+    <a:masterClrMapping/>
+  </p:clrMapOvr>
+</p:sld>
+</file>
+
+<file path=ppt/slides/slide13.xml><?xml version="1.0" encoding="utf-8"?>
+<p:sld xmlns:a="http://schemas.openxmlformats.org/drawingml/2006/main" xmlns:r="http://schemas.openxmlformats.org/officeDocument/2006/relationships" xmlns:mc="http://schemas.openxmlformats.org/markup-compatibility/2006" xmlns:mv="urn:schemas-microsoft-com:mac:vml" xmlns:p="http://schemas.openxmlformats.org/presentationml/2006/main" xmlns:c="http://schemas.openxmlformats.org/drawingml/2006/chart" xmlns:dgm="http://schemas.openxmlformats.org/drawingml/2006/diagram" xmlns:o="urn:schemas-microsoft-com:office:office" xmlns:v="urn:schemas-microsoft-com:vml" xmlns:pvml="urn:schemas-microsoft-com:office:powerpoint" xmlns:com="http://schemas.openxmlformats.org/drawingml/2006/compatibility" xmlns:p14="http://schemas.microsoft.com/office/powerpoint/2010/main" xmlns:p15="http://schemas.microsoft.com/office/powerpoint/2012/main" xmlns:ahyp="http://schemas.microsoft.com/office/drawing/2018/hyperlinkcolor">
+  <p:cSld>
+    <p:spTree>
+      <p:nvGrpSpPr>
+        <p:cNvPr id="172" name="Shape 172"/>
+        <p:cNvGrpSpPr/>
+        <p:nvPr/>
+      </p:nvGrpSpPr>
+      <p:grpSpPr>
+        <a:xfrm>
+          <a:off x="0" y="0"/>
+          <a:ext cx="0" cy="0"/>
+          <a:chOff x="0" y="0"/>
+          <a:chExt cx="0" cy="0"/>
+        </a:xfrm>
+      </p:grpSpPr>
+      <p:sp>
+        <p:nvSpPr>
+          <p:cNvPr id="173" name="Google Shape;173;p28"/>
+          <p:cNvSpPr txBox="1"/>
+          <p:nvPr>
+            <p:ph type="title"/>
+          </p:nvPr>
+        </p:nvSpPr>
+        <p:spPr>
+          <a:xfrm>
+            <a:off x="431800" y="83344"/>
+            <a:ext cx="8375700" cy="531000"/>
+          </a:xfrm>
+          <a:prstGeom prst="rect">
+            <a:avLst/>
+          </a:prstGeom>
+        </p:spPr>
+        <p:txBody>
+          <a:bodyPr anchorCtr="0" anchor="b" bIns="0" lIns="0" spcFirstLastPara="1" rIns="0" wrap="square" tIns="0">
+            <a:noAutofit/>
+          </a:bodyPr>
+          <a:lstStyle/>
+          <a:p>
+            <a:pPr indent="0" lvl="0" marL="0" rtl="0" algn="l">
+              <a:spcBef>
+                <a:spcPts val="0"/>
+              </a:spcBef>
+              <a:spcAft>
+                <a:spcPts val="0"/>
+              </a:spcAft>
+              <a:buNone/>
+            </a:pPr>
+            <a:r>
+              <a:rPr lang="de"/>
+              <a:t>6. Übungsaufgaben</a:t>
+            </a:r>
+            <a:endParaRPr/>
+          </a:p>
+        </p:txBody>
+      </p:sp>
+      <p:sp>
+        <p:nvSpPr>
+          <p:cNvPr id="174" name="Google Shape;174;p28"/>
+          <p:cNvSpPr/>
+          <p:nvPr>
+            <p:ph idx="2" type="chart"/>
+          </p:nvPr>
+        </p:nvSpPr>
+        <p:spPr>
+          <a:xfrm>
+            <a:off x="431800" y="782241"/>
+            <a:ext cx="8375700" cy="3579000"/>
+          </a:xfrm>
+          <a:prstGeom prst="rect">
+            <a:avLst/>
+          </a:prstGeom>
+        </p:spPr>
+        <p:txBody>
+          <a:bodyPr anchorCtr="0" anchor="t" bIns="0" lIns="0" spcFirstLastPara="1" rIns="0" wrap="square" tIns="0">
+            <a:noAutofit/>
+          </a:bodyPr>
+          <a:lstStyle/>
+          <a:p>
+            <a:pPr indent="-317500" lvl="0" marL="457200" rtl="0" algn="l">
+              <a:spcBef>
+                <a:spcPts val="320"/>
+              </a:spcBef>
+              <a:spcAft>
+                <a:spcPts val="0"/>
+              </a:spcAft>
+              <a:buClr>
+                <a:schemeClr val="dk1"/>
+              </a:buClr>
+              <a:buSzPts val="1400"/>
+              <a:buChar char="●"/>
+            </a:pPr>
+            <a:r>
+              <a:rPr lang="de"/>
               <a:t>Alternative 2: Primzahl-Detektor</a:t>
             </a:r>
             <a:endParaRPr/>
@@ -9726,7 +11362,15 @@
             </a:pPr>
             <a:r>
               <a:rPr lang="de"/>
-              <a:t>Das Testen der Primzahl soll eine Funktion einer weiteren von dir geschriebenen Klasse übernehmen.</a:t>
+              <a:t>Das Testen der Primzahl soll eine Funktion einer weiteren von dir geschriebenen Klasse übernehmen </a:t>
+            </a:r>
+            <a:r>
+              <a:rPr lang="de"/>
+              <a:t>(analog zum showcase)</a:t>
+            </a:r>
+            <a:r>
+              <a:rPr lang="de"/>
+              <a:t>.</a:t>
             </a:r>
             <a:endParaRPr/>
           </a:p>
@@ -9926,7 +11570,7 @@
             </a:pPr>
             <a:r>
               <a:rPr lang="de"/>
-              <a:t>Sichtbarkeit</a:t>
+              <a:t>Zugriffsmodifikatoren</a:t>
             </a:r>
             <a:br>
               <a:rPr lang="de"/>
@@ -10154,6 +11798,46 @@
             <a:r>
               <a:rPr lang="de"/>
               <a:t>Rückgabetyp, falls die Funktion nichts zurückgeben soll: void</a:t>
+            </a:r>
+            <a:br>
+              <a:rPr lang="de"/>
+            </a:br>
+            <a:endParaRPr/>
+          </a:p>
+          <a:p>
+            <a:pPr indent="-317500" lvl="0" marL="457200" rtl="0" algn="l">
+              <a:spcBef>
+                <a:spcPts val="0"/>
+              </a:spcBef>
+              <a:spcAft>
+                <a:spcPts val="0"/>
+              </a:spcAft>
+              <a:buSzPts val="1400"/>
+              <a:buChar char="●"/>
+            </a:pPr>
+            <a:r>
+              <a:rPr lang="de"/>
+              <a:t>Die main-Funktion ist auch eine Funktion, die vom Java Interpreter aufgerufen wird.</a:t>
+            </a:r>
+            <a:br>
+              <a:rPr lang="de"/>
+            </a:br>
+            <a:endParaRPr/>
+          </a:p>
+          <a:p>
+            <a:pPr indent="-317500" lvl="0" marL="457200" rtl="0" algn="l">
+              <a:spcBef>
+                <a:spcPts val="0"/>
+              </a:spcBef>
+              <a:spcAft>
+                <a:spcPts val="0"/>
+              </a:spcAft>
+              <a:buSzPts val="1400"/>
+              <a:buChar char="●"/>
+            </a:pPr>
+            <a:r>
+              <a:rPr lang="de"/>
+              <a:t>Funktionen können wiederum andere Funktionen aufrufen</a:t>
             </a:r>
             <a:endParaRPr/>
           </a:p>
@@ -10698,7 +12382,7 @@
             </a:pPr>
             <a:r>
               <a:rPr lang="de"/>
-              <a:t>Funktion</a:t>
+              <a:t>Funktionen</a:t>
             </a:r>
             <a:endParaRPr/>
           </a:p>
@@ -11186,6 +12870,127 @@
             </a:pPr>
             <a:r>
               <a:rPr lang="de"/>
+              <a:t>2. Klassen: Überblick über den Showcase</a:t>
+            </a:r>
+            <a:endParaRPr/>
+          </a:p>
+        </p:txBody>
+      </p:sp>
+      <p:pic>
+        <p:nvPicPr>
+          <p:cNvPr id="134" name="Google Shape;134;p22"/>
+          <p:cNvPicPr preferRelativeResize="0"/>
+          <p:nvPr/>
+        </p:nvPicPr>
+        <p:blipFill>
+          <a:blip r:embed="rId3">
+            <a:alphaModFix/>
+          </a:blip>
+          <a:stretch>
+            <a:fillRect/>
+          </a:stretch>
+        </p:blipFill>
+        <p:spPr>
+          <a:xfrm>
+            <a:off x="431800" y="766744"/>
+            <a:ext cx="3865529" cy="4224355"/>
+          </a:xfrm>
+          <a:prstGeom prst="rect">
+            <a:avLst/>
+          </a:prstGeom>
+          <a:noFill/>
+          <a:ln>
+            <a:noFill/>
+          </a:ln>
+        </p:spPr>
+      </p:pic>
+      <p:pic>
+        <p:nvPicPr>
+          <p:cNvPr id="135" name="Google Shape;135;p22"/>
+          <p:cNvPicPr preferRelativeResize="0"/>
+          <p:nvPr/>
+        </p:nvPicPr>
+        <p:blipFill>
+          <a:blip r:embed="rId4">
+            <a:alphaModFix/>
+          </a:blip>
+          <a:stretch>
+            <a:fillRect/>
+          </a:stretch>
+        </p:blipFill>
+        <p:spPr>
+          <a:xfrm>
+            <a:off x="4863451" y="766749"/>
+            <a:ext cx="3944050" cy="2199024"/>
+          </a:xfrm>
+          <a:prstGeom prst="rect">
+            <a:avLst/>
+          </a:prstGeom>
+          <a:noFill/>
+          <a:ln>
+            <a:noFill/>
+          </a:ln>
+        </p:spPr>
+      </p:pic>
+    </p:spTree>
+  </p:cSld>
+  <p:clrMapOvr>
+    <a:masterClrMapping/>
+  </p:clrMapOvr>
+</p:sld>
+</file>
+
+<file path=ppt/slides/slide8.xml><?xml version="1.0" encoding="utf-8"?>
+<p:sld xmlns:a="http://schemas.openxmlformats.org/drawingml/2006/main" xmlns:r="http://schemas.openxmlformats.org/officeDocument/2006/relationships" xmlns:mc="http://schemas.openxmlformats.org/markup-compatibility/2006" xmlns:mv="urn:schemas-microsoft-com:mac:vml" xmlns:p="http://schemas.openxmlformats.org/presentationml/2006/main" xmlns:c="http://schemas.openxmlformats.org/drawingml/2006/chart" xmlns:dgm="http://schemas.openxmlformats.org/drawingml/2006/diagram" xmlns:o="urn:schemas-microsoft-com:office:office" xmlns:v="urn:schemas-microsoft-com:vml" xmlns:pvml="urn:schemas-microsoft-com:office:powerpoint" xmlns:com="http://schemas.openxmlformats.org/drawingml/2006/compatibility" xmlns:p14="http://schemas.microsoft.com/office/powerpoint/2010/main" xmlns:p15="http://schemas.microsoft.com/office/powerpoint/2012/main" xmlns:ahyp="http://schemas.microsoft.com/office/drawing/2018/hyperlinkcolor">
+  <p:cSld>
+    <p:spTree>
+      <p:nvGrpSpPr>
+        <p:cNvPr id="139" name="Shape 139"/>
+        <p:cNvGrpSpPr/>
+        <p:nvPr/>
+      </p:nvGrpSpPr>
+      <p:grpSpPr>
+        <a:xfrm>
+          <a:off x="0" y="0"/>
+          <a:ext cx="0" cy="0"/>
+          <a:chOff x="0" y="0"/>
+          <a:chExt cx="0" cy="0"/>
+        </a:xfrm>
+      </p:grpSpPr>
+      <p:sp>
+        <p:nvSpPr>
+          <p:cNvPr id="140" name="Google Shape;140;p23"/>
+          <p:cNvSpPr txBox="1"/>
+          <p:nvPr>
+            <p:ph type="title"/>
+          </p:nvPr>
+        </p:nvSpPr>
+        <p:spPr>
+          <a:xfrm>
+            <a:off x="431800" y="83344"/>
+            <a:ext cx="8375700" cy="531000"/>
+          </a:xfrm>
+          <a:prstGeom prst="rect">
+            <a:avLst/>
+          </a:prstGeom>
+        </p:spPr>
+        <p:txBody>
+          <a:bodyPr anchorCtr="0" anchor="b" bIns="0" lIns="0" spcFirstLastPara="1" rIns="0" wrap="square" tIns="0">
+            <a:noAutofit/>
+          </a:bodyPr>
+          <a:lstStyle/>
+          <a:p>
+            <a:pPr indent="0" lvl="0" marL="0" rtl="0" algn="l">
+              <a:spcBef>
+                <a:spcPts val="0"/>
+              </a:spcBef>
+              <a:spcAft>
+                <a:spcPts val="0"/>
+              </a:spcAft>
+              <a:buNone/>
+            </a:pPr>
+            <a:r>
+              <a:rPr lang="de"/>
               <a:t>2. Klassen</a:t>
             </a:r>
             <a:endParaRPr/>
@@ -11194,7 +12999,7 @@
       </p:sp>
       <p:sp>
         <p:nvSpPr>
-          <p:cNvPr id="134" name="Google Shape;134;p22"/>
+          <p:cNvPr id="141" name="Google Shape;141;p23"/>
           <p:cNvSpPr/>
           <p:nvPr>
             <p:ph idx="2" type="chart"/>
@@ -11226,7 +13031,15 @@
             </a:pPr>
             <a:r>
               <a:rPr lang="de"/>
-              <a:t>Wichtig: Klassen können noch viel mehr, als nur Funktionen in Dateien zu strukturieren. Dazu kommen wird aber erst beim nächsten Mal. </a:t>
+              <a:t>Wichtig: Klassen können noch viel mehr, als nur Funktionen in Dateien zu strukturieren. Dazu kommen wird aber erst </a:t>
+            </a:r>
+            <a:r>
+              <a:rPr b="1" lang="de"/>
+              <a:t>beim nächsten Mal</a:t>
+            </a:r>
+            <a:r>
+              <a:rPr lang="de"/>
+              <a:t>. </a:t>
             </a:r>
             <a:endParaRPr/>
           </a:p>
@@ -11341,12 +13154,12 @@
 </p:sld>
 </file>
 
-<file path=ppt/slides/slide8.xml><?xml version="1.0" encoding="utf-8"?>
+<file path=ppt/slides/slide9.xml><?xml version="1.0" encoding="utf-8"?>
 <p:sld xmlns:a="http://schemas.openxmlformats.org/drawingml/2006/main" xmlns:r="http://schemas.openxmlformats.org/officeDocument/2006/relationships" xmlns:mc="http://schemas.openxmlformats.org/markup-compatibility/2006" xmlns:mv="urn:schemas-microsoft-com:mac:vml" xmlns:p="http://schemas.openxmlformats.org/presentationml/2006/main" xmlns:c="http://schemas.openxmlformats.org/drawingml/2006/chart" xmlns:dgm="http://schemas.openxmlformats.org/drawingml/2006/diagram" xmlns:o="urn:schemas-microsoft-com:office:office" xmlns:v="urn:schemas-microsoft-com:vml" xmlns:pvml="urn:schemas-microsoft-com:office:powerpoint" xmlns:com="http://schemas.openxmlformats.org/drawingml/2006/compatibility" xmlns:p14="http://schemas.microsoft.com/office/powerpoint/2010/main" xmlns:p15="http://schemas.microsoft.com/office/powerpoint/2012/main" xmlns:ahyp="http://schemas.microsoft.com/office/drawing/2018/hyperlinkcolor">
   <p:cSld>
     <p:spTree>
       <p:nvGrpSpPr>
-        <p:cNvPr id="138" name="Shape 138"/>
+        <p:cNvPr id="145" name="Shape 145"/>
         <p:cNvGrpSpPr/>
         <p:nvPr/>
       </p:nvGrpSpPr>
@@ -11360,7 +13173,7 @@
       </p:grpSpPr>
       <p:sp>
         <p:nvSpPr>
-          <p:cNvPr id="139" name="Google Shape;139;p23"/>
+          <p:cNvPr id="146" name="Google Shape;146;p24"/>
           <p:cNvSpPr txBox="1"/>
           <p:nvPr>
             <p:ph type="title"/>
@@ -11400,7 +13213,7 @@
       </p:sp>
       <p:sp>
         <p:nvSpPr>
-          <p:cNvPr id="140" name="Google Shape;140;p23"/>
+          <p:cNvPr id="147" name="Google Shape;147;p24"/>
           <p:cNvSpPr/>
           <p:nvPr>
             <p:ph idx="2" type="chart"/>
@@ -11432,223 +13245,235 @@
             </a:pPr>
             <a:r>
               <a:rPr lang="de"/>
-              <a:t>Java </a:t>
+              <a:t>Java-Klassen kann man in sog. packages aufteilen. Dabei sollte (der Compiler erzwingt es aber nicht) die package-Bezeichnung dem physischen Speicherort entsprechen.</a:t>
+            </a:r>
+            <a:endParaRPr/>
+          </a:p>
+          <a:p>
+            <a:pPr indent="0" lvl="0" marL="0" rtl="0" algn="l">
+              <a:spcBef>
+                <a:spcPts val="320"/>
+              </a:spcBef>
+              <a:spcAft>
+                <a:spcPts val="0"/>
+              </a:spcAft>
+              <a:buNone/>
+            </a:pPr>
+            <a:r>
+              <a:t/>
+            </a:r>
+            <a:endParaRPr/>
+          </a:p>
+          <a:p>
+            <a:pPr indent="0" lvl="0" marL="0" rtl="0" algn="l">
+              <a:spcBef>
+                <a:spcPts val="320"/>
+              </a:spcBef>
+              <a:spcAft>
+                <a:spcPts val="0"/>
+              </a:spcAft>
+              <a:buNone/>
+            </a:pPr>
+            <a:r>
+              <a:rPr lang="de"/>
+              <a:t>Ist z.B. folgende Projektstruktur gegeben:</a:t>
+            </a:r>
+            <a:endParaRPr/>
+          </a:p>
+          <a:p>
+            <a:pPr indent="0" lvl="0" marL="0" rtl="0" algn="l">
+              <a:spcBef>
+                <a:spcPts val="320"/>
+              </a:spcBef>
+              <a:spcAft>
+                <a:spcPts val="0"/>
+              </a:spcAft>
+              <a:buNone/>
+            </a:pPr>
+            <a:r>
+              <a:t/>
+            </a:r>
+            <a:endParaRPr/>
+          </a:p>
+          <a:p>
+            <a:pPr indent="0" lvl="0" marL="0" rtl="0" algn="l">
+              <a:spcBef>
+                <a:spcPts val="320"/>
+              </a:spcBef>
+              <a:spcAft>
+                <a:spcPts val="0"/>
+              </a:spcAft>
+              <a:buNone/>
+            </a:pPr>
+            <a:r>
+              <a:t/>
+            </a:r>
+            <a:endParaRPr/>
+          </a:p>
+          <a:p>
+            <a:pPr indent="0" lvl="0" marL="0" rtl="0" algn="l">
+              <a:spcBef>
+                <a:spcPts val="320"/>
+              </a:spcBef>
+              <a:spcAft>
+                <a:spcPts val="0"/>
+              </a:spcAft>
+              <a:buNone/>
+            </a:pPr>
+            <a:r>
+              <a:t/>
+            </a:r>
+            <a:endParaRPr/>
+          </a:p>
+          <a:p>
+            <a:pPr indent="0" lvl="0" marL="0" rtl="0" algn="l">
+              <a:spcBef>
+                <a:spcPts val="320"/>
+              </a:spcBef>
+              <a:spcAft>
+                <a:spcPts val="0"/>
+              </a:spcAft>
+              <a:buNone/>
+            </a:pPr>
+            <a:r>
+              <a:t/>
+            </a:r>
+            <a:endParaRPr/>
+          </a:p>
+          <a:p>
+            <a:pPr indent="0" lvl="0" marL="0" rtl="0" algn="l">
+              <a:spcBef>
+                <a:spcPts val="320"/>
+              </a:spcBef>
+              <a:spcAft>
+                <a:spcPts val="0"/>
+              </a:spcAft>
+              <a:buNone/>
+            </a:pPr>
+            <a:r>
+              <a:t/>
+            </a:r>
+            <a:endParaRPr/>
+          </a:p>
+          <a:p>
+            <a:pPr indent="0" lvl="0" marL="0" rtl="0" algn="l">
+              <a:spcBef>
+                <a:spcPts val="320"/>
+              </a:spcBef>
+              <a:spcAft>
+                <a:spcPts val="0"/>
+              </a:spcAft>
+              <a:buNone/>
+            </a:pPr>
+            <a:r>
+              <a:t/>
+            </a:r>
+            <a:endParaRPr/>
+          </a:p>
+          <a:p>
+            <a:pPr indent="0" lvl="0" marL="0" rtl="0" algn="l">
+              <a:spcBef>
+                <a:spcPts val="320"/>
+              </a:spcBef>
+              <a:spcAft>
+                <a:spcPts val="0"/>
+              </a:spcAft>
+              <a:buNone/>
+            </a:pPr>
+            <a:r>
+              <a:rPr lang="de"/>
+              <a:t>Dann hat die Klasse Fibonacci folgendes package statement:</a:t>
+            </a:r>
+            <a:endParaRPr/>
+          </a:p>
+          <a:p>
+            <a:pPr indent="0" lvl="0" marL="0" rtl="0" algn="l">
+              <a:spcBef>
+                <a:spcPts val="320"/>
+              </a:spcBef>
+              <a:spcAft>
+                <a:spcPts val="0"/>
+              </a:spcAft>
+              <a:buNone/>
+            </a:pPr>
+            <a:r>
+              <a:t/>
+            </a:r>
+            <a:endParaRPr/>
+          </a:p>
+          <a:p>
+            <a:pPr indent="0" lvl="0" marL="0" rtl="0" algn="l">
+              <a:spcBef>
+                <a:spcPts val="320"/>
+              </a:spcBef>
+              <a:spcAft>
+                <a:spcPts val="0"/>
+              </a:spcAft>
+              <a:buNone/>
+            </a:pPr>
+            <a:r>
+              <a:t/>
             </a:r>
             <a:endParaRPr/>
           </a:p>
         </p:txBody>
       </p:sp>
-    </p:spTree>
-  </p:cSld>
-  <p:clrMapOvr>
-    <a:masterClrMapping/>
-  </p:clrMapOvr>
-</p:sld>
-</file>
-
-<file path=ppt/slides/slide9.xml><?xml version="1.0" encoding="utf-8"?>
-<p:sld xmlns:a="http://schemas.openxmlformats.org/drawingml/2006/main" xmlns:r="http://schemas.openxmlformats.org/officeDocument/2006/relationships" xmlns:mc="http://schemas.openxmlformats.org/markup-compatibility/2006" xmlns:mv="urn:schemas-microsoft-com:mac:vml" xmlns:p="http://schemas.openxmlformats.org/presentationml/2006/main" xmlns:c="http://schemas.openxmlformats.org/drawingml/2006/chart" xmlns:dgm="http://schemas.openxmlformats.org/drawingml/2006/diagram" xmlns:o="urn:schemas-microsoft-com:office:office" xmlns:v="urn:schemas-microsoft-com:vml" xmlns:pvml="urn:schemas-microsoft-com:office:powerpoint" xmlns:com="http://schemas.openxmlformats.org/drawingml/2006/compatibility" xmlns:p14="http://schemas.microsoft.com/office/powerpoint/2010/main" xmlns:p15="http://schemas.microsoft.com/office/powerpoint/2012/main" xmlns:ahyp="http://schemas.microsoft.com/office/drawing/2018/hyperlinkcolor">
-  <p:cSld>
-    <p:spTree>
-      <p:nvGrpSpPr>
-        <p:cNvPr id="144" name="Shape 144"/>
-        <p:cNvGrpSpPr/>
-        <p:nvPr/>
-      </p:nvGrpSpPr>
-      <p:grpSpPr>
-        <a:xfrm>
-          <a:off x="0" y="0"/>
-          <a:ext cx="0" cy="0"/>
-          <a:chOff x="0" y="0"/>
-          <a:chExt cx="0" cy="0"/>
-        </a:xfrm>
-      </p:grpSpPr>
-      <p:sp>
-        <p:nvSpPr>
-          <p:cNvPr id="145" name="Google Shape;145;p24"/>
-          <p:cNvSpPr txBox="1"/>
-          <p:nvPr>
-            <p:ph type="title"/>
-          </p:nvPr>
-        </p:nvSpPr>
+      <p:pic>
+        <p:nvPicPr>
+          <p:cNvPr id="148" name="Google Shape;148;p24"/>
+          <p:cNvPicPr preferRelativeResize="0"/>
+          <p:nvPr/>
+        </p:nvPicPr>
+        <p:blipFill>
+          <a:blip r:embed="rId3">
+            <a:alphaModFix/>
+          </a:blip>
+          <a:stretch>
+            <a:fillRect/>
+          </a:stretch>
+        </p:blipFill>
         <p:spPr>
           <a:xfrm>
-            <a:off x="431800" y="83344"/>
-            <a:ext cx="8375700" cy="531000"/>
+            <a:off x="5051649" y="1361975"/>
+            <a:ext cx="2003850" cy="2086200"/>
           </a:xfrm>
           <a:prstGeom prst="rect">
             <a:avLst/>
           </a:prstGeom>
+          <a:noFill/>
+          <a:ln>
+            <a:noFill/>
+          </a:ln>
         </p:spPr>
-        <p:txBody>
-          <a:bodyPr anchorCtr="0" anchor="b" bIns="0" lIns="0" spcFirstLastPara="1" rIns="0" wrap="square" tIns="0">
-            <a:noAutofit/>
-          </a:bodyPr>
-          <a:lstStyle/>
-          <a:p>
-            <a:pPr indent="0" lvl="0" marL="0" rtl="0" algn="l">
-              <a:spcBef>
-                <a:spcPts val="0"/>
-              </a:spcBef>
-              <a:spcAft>
-                <a:spcPts val="0"/>
-              </a:spcAft>
-              <a:buNone/>
-            </a:pPr>
-            <a:r>
-              <a:rPr lang="de"/>
-              <a:t>6. Übungsaufgaben</a:t>
-            </a:r>
-            <a:endParaRPr/>
-          </a:p>
-        </p:txBody>
-      </p:sp>
-      <p:sp>
-        <p:nvSpPr>
-          <p:cNvPr id="146" name="Google Shape;146;p24"/>
-          <p:cNvSpPr/>
-          <p:nvPr>
-            <p:ph idx="2" type="chart"/>
-          </p:nvPr>
-        </p:nvSpPr>
+      </p:pic>
+      <p:pic>
+        <p:nvPicPr>
+          <p:cNvPr id="149" name="Google Shape;149;p24"/>
+          <p:cNvPicPr preferRelativeResize="0"/>
+          <p:nvPr/>
+        </p:nvPicPr>
+        <p:blipFill>
+          <a:blip r:embed="rId4">
+            <a:alphaModFix/>
+          </a:blip>
+          <a:stretch>
+            <a:fillRect/>
+          </a:stretch>
+        </p:blipFill>
         <p:spPr>
           <a:xfrm>
-            <a:off x="431800" y="782241"/>
-            <a:ext cx="8375700" cy="3579000"/>
+            <a:off x="1639675" y="3978722"/>
+            <a:ext cx="5864651" cy="226600"/>
           </a:xfrm>
           <a:prstGeom prst="rect">
             <a:avLst/>
           </a:prstGeom>
+          <a:noFill/>
+          <a:ln>
+            <a:noFill/>
+          </a:ln>
         </p:spPr>
-        <p:txBody>
-          <a:bodyPr anchorCtr="0" anchor="t" bIns="0" lIns="0" spcFirstLastPara="1" rIns="0" wrap="square" tIns="0">
-            <a:noAutofit/>
-          </a:bodyPr>
-          <a:lstStyle/>
-          <a:p>
-            <a:pPr indent="-317500" lvl="0" marL="457200" rtl="0" algn="l">
-              <a:spcBef>
-                <a:spcPts val="320"/>
-              </a:spcBef>
-              <a:spcAft>
-                <a:spcPts val="0"/>
-              </a:spcAft>
-              <a:buClr>
-                <a:schemeClr val="dk1"/>
-              </a:buClr>
-              <a:buSzPts val="1400"/>
-              <a:buChar char="●"/>
-            </a:pPr>
-            <a:r>
-              <a:rPr lang="de"/>
-              <a:t>Alternative 1: Palindrom-Detektor</a:t>
-            </a:r>
-            <a:endParaRPr/>
-          </a:p>
-          <a:p>
-            <a:pPr indent="-330200" lvl="1" marL="914400" rtl="0" algn="l">
-              <a:spcBef>
-                <a:spcPts val="0"/>
-              </a:spcBef>
-              <a:spcAft>
-                <a:spcPts val="0"/>
-              </a:spcAft>
-              <a:buSzPts val="1600"/>
-              <a:buChar char="-"/>
-            </a:pPr>
-            <a:r>
-              <a:rPr lang="de"/>
-              <a:t>Es soll dem Programm ein String, entweder über Kommandozeilenparameter oder über die Scanner-Klasse übergeben werden können.</a:t>
-            </a:r>
-            <a:endParaRPr/>
-          </a:p>
-          <a:p>
-            <a:pPr indent="-330200" lvl="1" marL="914400" rtl="0" algn="l">
-              <a:spcBef>
-                <a:spcPts val="0"/>
-              </a:spcBef>
-              <a:spcAft>
-                <a:spcPts val="0"/>
-              </a:spcAft>
-              <a:buSzPts val="1600"/>
-              <a:buChar char="-"/>
-            </a:pPr>
-            <a:r>
-              <a:rPr lang="de"/>
-              <a:t>Das Programm soll dann testen, ob der String ein Palindrom ist und dementsprechend eine Kommandozeilenausgabe machen.</a:t>
-            </a:r>
-            <a:endParaRPr/>
-          </a:p>
-          <a:p>
-            <a:pPr indent="-330200" lvl="1" marL="914400" rtl="0" algn="l">
-              <a:spcBef>
-                <a:spcPts val="0"/>
-              </a:spcBef>
-              <a:spcAft>
-                <a:spcPts val="0"/>
-              </a:spcAft>
-              <a:buSzPts val="1600"/>
-              <a:buChar char="-"/>
-            </a:pPr>
-            <a:r>
-              <a:rPr lang="de"/>
-              <a:t>Dazu soll eine weitere Klasse mit einer Palindrom-Test-Funktion geschrieben werden, die hierfür genutzt wird</a:t>
-            </a:r>
-            <a:endParaRPr/>
-          </a:p>
-          <a:p>
-            <a:pPr indent="-330200" lvl="1" marL="914400" rtl="0" algn="l">
-              <a:spcBef>
-                <a:spcPts val="0"/>
-              </a:spcBef>
-              <a:spcAft>
-                <a:spcPts val="0"/>
-              </a:spcAft>
-              <a:buSzPts val="1600"/>
-              <a:buChar char="-"/>
-            </a:pPr>
-            <a:r>
-              <a:rPr lang="de"/>
-              <a:t>Hinweis: Palindrome sind Zeichenketten, die sich von vorne und von hinter gleich lesen (Beispiel: "anna" ist rückwärts gelesen auch "anna")</a:t>
-            </a:r>
-            <a:endParaRPr/>
-          </a:p>
-          <a:p>
-            <a:pPr indent="-330200" lvl="1" marL="914400" rtl="0" algn="l">
-              <a:spcBef>
-                <a:spcPts val="0"/>
-              </a:spcBef>
-              <a:spcAft>
-                <a:spcPts val="0"/>
-              </a:spcAft>
-              <a:buSzPts val="1600"/>
-              <a:buChar char="-"/>
-            </a:pPr>
-            <a:r>
-              <a:rPr lang="de"/>
-              <a:t>Tipp: mit &lt;String&gt;.charAt(index) kann man auf das Zeichen an einer bestimmten Stelle eines Strings zugreifen. ( =&gt; “asd”.charAt(1) ⇒ ‘d’</a:t>
-            </a:r>
-            <a:endParaRPr/>
-          </a:p>
-          <a:p>
-            <a:pPr indent="-330200" lvl="1" marL="914400" rtl="0" algn="l">
-              <a:spcBef>
-                <a:spcPts val="0"/>
-              </a:spcBef>
-              <a:spcAft>
-                <a:spcPts val="0"/>
-              </a:spcAft>
-              <a:buSzPts val="1600"/>
-              <a:buChar char="-"/>
-            </a:pPr>
-            <a:r>
-              <a:rPr lang="de"/>
-              <a:t>Optional: Umgehen von Case Sensitivität ("Anna" soll auch als Palindrom erkannt werden)</a:t>
-            </a:r>
-            <a:endParaRPr/>
-          </a:p>
-        </p:txBody>
-      </p:sp>
+      </p:pic>
     </p:spTree>
   </p:cSld>
   <p:clrMapOvr>
@@ -11658,6 +13483,285 @@
 </file>
 
 <file path=ppt/theme/theme1.xml><?xml version="1.0" encoding="utf-8"?>
+<a:theme xmlns:a="http://schemas.openxmlformats.org/drawingml/2006/main" xmlns:r="http://schemas.openxmlformats.org/officeDocument/2006/relationships">
+  <a:themeElements>
+    <a:clrScheme name="Default">
+      <a:dk1>
+        <a:srgbClr val="000000"/>
+      </a:dk1>
+      <a:lt1>
+        <a:srgbClr val="FFFFFF"/>
+      </a:lt1>
+      <a:dk2>
+        <a:srgbClr val="158158"/>
+      </a:dk2>
+      <a:lt2>
+        <a:srgbClr val="F3F3F3"/>
+      </a:lt2>
+      <a:accent1>
+        <a:srgbClr val="058DC7"/>
+      </a:accent1>
+      <a:accent2>
+        <a:srgbClr val="50B432"/>
+      </a:accent2>
+      <a:accent3>
+        <a:srgbClr val="ED561B"/>
+      </a:accent3>
+      <a:accent4>
+        <a:srgbClr val="EDEF00"/>
+      </a:accent4>
+      <a:accent5>
+        <a:srgbClr val="24CBE5"/>
+      </a:accent5>
+      <a:accent6>
+        <a:srgbClr val="64E572"/>
+      </a:accent6>
+      <a:hlink>
+        <a:srgbClr val="2200CC"/>
+      </a:hlink>
+      <a:folHlink>
+        <a:srgbClr val="551A8B"/>
+      </a:folHlink>
+    </a:clrScheme>
+    <a:fontScheme name="Office">
+      <a:majorFont>
+        <a:latin typeface="Arial"/>
+        <a:ea typeface=""/>
+        <a:cs typeface=""/>
+        <a:font script="Jpan" typeface="ＭＳ Ｐゴシック"/>
+        <a:font script="Hang" typeface="맑은 고딕"/>
+        <a:font script="Hans" typeface="宋体"/>
+        <a:font script="Hant" typeface="新細明體"/>
+        <a:font script="Arab" typeface="Times New Roman"/>
+        <a:font script="Hebr" typeface="Times New Roman"/>
+        <a:font script="Thai" typeface="Angsana New"/>
+        <a:font script="Ethi" typeface="Nyala"/>
+        <a:font script="Beng" typeface="Vrinda"/>
+        <a:font script="Gujr" typeface="Shruti"/>
+        <a:font script="Khmr" typeface="MoolBoran"/>
+        <a:font script="Knda" typeface="Tunga"/>
+        <a:font script="Guru" typeface="Raavi"/>
+        <a:font script="Cans" typeface="Euphemia"/>
+        <a:font script="Cher" typeface="Plantagenet Cherokee"/>
+        <a:font script="Yiii" typeface="Microsoft Yi Baiti"/>
+        <a:font script="Tibt" typeface="Microsoft Himalaya"/>
+        <a:font script="Thaa" typeface="MV Boli"/>
+        <a:font script="Deva" typeface="Mangal"/>
+        <a:font script="Telu" typeface="Gautami"/>
+        <a:font script="Taml" typeface="Latha"/>
+        <a:font script="Syrc" typeface="Estrangelo Edessa"/>
+        <a:font script="Orya" typeface="Kalinga"/>
+        <a:font script="Mlym" typeface="Kartika"/>
+        <a:font script="Laoo" typeface="DokChampa"/>
+        <a:font script="Sinh" typeface="Iskoola Pota"/>
+        <a:font script="Mong" typeface="Mongolian Baiti"/>
+        <a:font script="Viet" typeface="Times New Roman"/>
+        <a:font script="Uigh" typeface="Microsoft Uighur"/>
+        <a:font script="Geor" typeface="Sylfaen"/>
+      </a:majorFont>
+      <a:minorFont>
+        <a:latin typeface="Arial"/>
+        <a:ea typeface=""/>
+        <a:cs typeface=""/>
+        <a:font script="Jpan" typeface="ＭＳ Ｐゴシック"/>
+        <a:font script="Hang" typeface="맑은 고딕"/>
+        <a:font script="Hans" typeface="宋体"/>
+        <a:font script="Hant" typeface="新細明體"/>
+        <a:font script="Arab" typeface="Arial"/>
+        <a:font script="Hebr" typeface="Arial"/>
+        <a:font script="Thai" typeface="Cordia New"/>
+        <a:font script="Ethi" typeface="Nyala"/>
+        <a:font script="Beng" typeface="Vrinda"/>
+        <a:font script="Gujr" typeface="Shruti"/>
+        <a:font script="Khmr" typeface="DaunPenh"/>
+        <a:font script="Knda" typeface="Tunga"/>
+        <a:font script="Guru" typeface="Raavi"/>
+        <a:font script="Cans" typeface="Euphemia"/>
+        <a:font script="Cher" typeface="Plantagenet Cherokee"/>
+        <a:font script="Yiii" typeface="Microsoft Yi Baiti"/>
+        <a:font script="Tibt" typeface="Microsoft Himalaya"/>
+        <a:font script="Thaa" typeface="MV Boli"/>
+        <a:font script="Deva" typeface="Mangal"/>
+        <a:font script="Telu" typeface="Gautami"/>
+        <a:font script="Taml" typeface="Latha"/>
+        <a:font script="Syrc" typeface="Estrangelo Edessa"/>
+        <a:font script="Orya" typeface="Kalinga"/>
+        <a:font script="Mlym" typeface="Kartika"/>
+        <a:font script="Laoo" typeface="DokChampa"/>
+        <a:font script="Sinh" typeface="Iskoola Pota"/>
+        <a:font script="Mong" typeface="Mongolian Baiti"/>
+        <a:font script="Viet" typeface="Arial"/>
+        <a:font script="Uigh" typeface="Microsoft Uighur"/>
+        <a:font script="Geor" typeface="Sylfaen"/>
+      </a:minorFont>
+    </a:fontScheme>
+    <a:fmtScheme name="Office">
+      <a:fillStyleLst>
+        <a:solidFill>
+          <a:schemeClr val="phClr"/>
+        </a:solidFill>
+        <a:gradFill rotWithShape="1">
+          <a:gsLst>
+            <a:gs pos="0">
+              <a:schemeClr val="phClr">
+                <a:tint val="50000"/>
+                <a:satMod val="300000"/>
+              </a:schemeClr>
+            </a:gs>
+            <a:gs pos="35000">
+              <a:schemeClr val="phClr">
+                <a:tint val="37000"/>
+                <a:satMod val="300000"/>
+              </a:schemeClr>
+            </a:gs>
+            <a:gs pos="100000">
+              <a:schemeClr val="phClr">
+                <a:tint val="15000"/>
+                <a:satMod val="350000"/>
+              </a:schemeClr>
+            </a:gs>
+          </a:gsLst>
+          <a:lin ang="16200000" scaled="1"/>
+        </a:gradFill>
+        <a:gradFill rotWithShape="1">
+          <a:gsLst>
+            <a:gs pos="0">
+              <a:schemeClr val="phClr">
+                <a:tint val="100000"/>
+                <a:shade val="100000"/>
+                <a:satMod val="130000"/>
+              </a:schemeClr>
+            </a:gs>
+            <a:gs pos="100000">
+              <a:schemeClr val="phClr">
+                <a:tint val="50000"/>
+                <a:shade val="100000"/>
+                <a:satMod val="350000"/>
+              </a:schemeClr>
+            </a:gs>
+          </a:gsLst>
+          <a:lin ang="16200000" scaled="0"/>
+        </a:gradFill>
+      </a:fillStyleLst>
+      <a:lnStyleLst>
+        <a:ln w="9525" cap="flat" cmpd="sng" algn="ctr">
+          <a:solidFill>
+            <a:schemeClr val="phClr">
+              <a:shade val="95000"/>
+              <a:satMod val="105000"/>
+            </a:schemeClr>
+          </a:solidFill>
+          <a:prstDash val="solid"/>
+        </a:ln>
+        <a:ln w="25400" cap="flat" cmpd="sng" algn="ctr">
+          <a:solidFill>
+            <a:schemeClr val="phClr"/>
+          </a:solidFill>
+          <a:prstDash val="solid"/>
+        </a:ln>
+        <a:ln w="38100" cap="flat" cmpd="sng" algn="ctr">
+          <a:solidFill>
+            <a:schemeClr val="phClr"/>
+          </a:solidFill>
+          <a:prstDash val="solid"/>
+        </a:ln>
+      </a:lnStyleLst>
+      <a:effectStyleLst>
+        <a:effectStyle>
+          <a:effectLst>
+            <a:outerShdw blurRad="40000" dist="20000" dir="5400000" rotWithShape="0">
+              <a:srgbClr val="000000">
+                <a:alpha val="38000"/>
+              </a:srgbClr>
+            </a:outerShdw>
+          </a:effectLst>
+        </a:effectStyle>
+        <a:effectStyle>
+          <a:effectLst>
+            <a:outerShdw blurRad="40000" dist="23000" dir="5400000" rotWithShape="0">
+              <a:srgbClr val="000000">
+                <a:alpha val="35000"/>
+              </a:srgbClr>
+            </a:outerShdw>
+          </a:effectLst>
+        </a:effectStyle>
+        <a:effectStyle>
+          <a:effectLst>
+            <a:outerShdw blurRad="40000" dist="23000" dir="5400000" rotWithShape="0">
+              <a:srgbClr val="000000">
+                <a:alpha val="35000"/>
+              </a:srgbClr>
+            </a:outerShdw>
+          </a:effectLst>
+          <a:scene3d>
+            <a:camera prst="orthographicFront">
+              <a:rot lat="0" lon="0" rev="0"/>
+            </a:camera>
+            <a:lightRig rig="threePt" dir="t">
+              <a:rot lat="0" lon="0" rev="1200000"/>
+            </a:lightRig>
+          </a:scene3d>
+          <a:sp3d>
+            <a:bevelT w="63500" h="25400"/>
+          </a:sp3d>
+        </a:effectStyle>
+      </a:effectStyleLst>
+      <a:bgFillStyleLst>
+        <a:solidFill>
+          <a:schemeClr val="phClr"/>
+        </a:solidFill>
+        <a:gradFill rotWithShape="1">
+          <a:gsLst>
+            <a:gs pos="0">
+              <a:schemeClr val="phClr">
+                <a:tint val="40000"/>
+                <a:satMod val="350000"/>
+              </a:schemeClr>
+            </a:gs>
+            <a:gs pos="40000">
+              <a:schemeClr val="phClr">
+                <a:tint val="45000"/>
+                <a:shade val="99000"/>
+                <a:satMod val="350000"/>
+              </a:schemeClr>
+            </a:gs>
+            <a:gs pos="100000">
+              <a:schemeClr val="phClr">
+                <a:shade val="20000"/>
+                <a:satMod val="255000"/>
+              </a:schemeClr>
+            </a:gs>
+          </a:gsLst>
+          <a:path path="circle">
+            <a:fillToRect l="50000" t="-80000" r="50000" b="180000"/>
+          </a:path>
+        </a:gradFill>
+        <a:gradFill rotWithShape="1">
+          <a:gsLst>
+            <a:gs pos="0">
+              <a:schemeClr val="phClr">
+                <a:tint val="80000"/>
+                <a:satMod val="300000"/>
+              </a:schemeClr>
+            </a:gs>
+            <a:gs pos="100000">
+              <a:schemeClr val="phClr">
+                <a:shade val="30000"/>
+                <a:satMod val="200000"/>
+              </a:schemeClr>
+            </a:gs>
+          </a:gsLst>
+          <a:path path="circle">
+            <a:fillToRect l="50000" t="50000" r="50000" b="50000"/>
+          </a:path>
+        </a:gradFill>
+      </a:bgFillStyleLst>
+    </a:fmtScheme>
+  </a:themeElements>
+</a:theme>
+</file>
+
+<file path=ppt/theme/theme2.xml><?xml version="1.0" encoding="utf-8"?>
 <a:theme xmlns:a="http://schemas.openxmlformats.org/drawingml/2006/main" xmlns:r="http://schemas.openxmlformats.org/officeDocument/2006/relationships" name="TUBraunschweig_PPT2007_Folienpool_pptx">
   <a:themeElements>
     <a:clrScheme name="TU Braunschweig">
@@ -11934,283 +14038,4 @@
     </a:fmtScheme>
   </a:themeElements>
 </a:theme>
-</file>
-
-<file path=ppt/theme/theme2.xml><?xml version="1.0" encoding="utf-8"?>
-<a:theme xmlns:a="http://schemas.openxmlformats.org/drawingml/2006/main" xmlns:r="http://schemas.openxmlformats.org/officeDocument/2006/relationships">
-  <a:themeElements>
-    <a:clrScheme name="Default">
-      <a:dk1>
-        <a:srgbClr val="000000"/>
-      </a:dk1>
-      <a:lt1>
-        <a:srgbClr val="FFFFFF"/>
-      </a:lt1>
-      <a:dk2>
-        <a:srgbClr val="158158"/>
-      </a:dk2>
-      <a:lt2>
-        <a:srgbClr val="F3F3F3"/>
-      </a:lt2>
-      <a:accent1>
-        <a:srgbClr val="058DC7"/>
-      </a:accent1>
-      <a:accent2>
-        <a:srgbClr val="50B432"/>
-      </a:accent2>
-      <a:accent3>
-        <a:srgbClr val="ED561B"/>
-      </a:accent3>
-      <a:accent4>
-        <a:srgbClr val="EDEF00"/>
-      </a:accent4>
-      <a:accent5>
-        <a:srgbClr val="24CBE5"/>
-      </a:accent5>
-      <a:accent6>
-        <a:srgbClr val="64E572"/>
-      </a:accent6>
-      <a:hlink>
-        <a:srgbClr val="2200CC"/>
-      </a:hlink>
-      <a:folHlink>
-        <a:srgbClr val="551A8B"/>
-      </a:folHlink>
-    </a:clrScheme>
-    <a:fontScheme name="Office">
-      <a:majorFont>
-        <a:latin typeface="Arial"/>
-        <a:ea typeface=""/>
-        <a:cs typeface=""/>
-        <a:font script="Jpan" typeface="ＭＳ Ｐゴシック"/>
-        <a:font script="Hang" typeface="맑은 고딕"/>
-        <a:font script="Hans" typeface="宋体"/>
-        <a:font script="Hant" typeface="新細明體"/>
-        <a:font script="Arab" typeface="Times New Roman"/>
-        <a:font script="Hebr" typeface="Times New Roman"/>
-        <a:font script="Thai" typeface="Angsana New"/>
-        <a:font script="Ethi" typeface="Nyala"/>
-        <a:font script="Beng" typeface="Vrinda"/>
-        <a:font script="Gujr" typeface="Shruti"/>
-        <a:font script="Khmr" typeface="MoolBoran"/>
-        <a:font script="Knda" typeface="Tunga"/>
-        <a:font script="Guru" typeface="Raavi"/>
-        <a:font script="Cans" typeface="Euphemia"/>
-        <a:font script="Cher" typeface="Plantagenet Cherokee"/>
-        <a:font script="Yiii" typeface="Microsoft Yi Baiti"/>
-        <a:font script="Tibt" typeface="Microsoft Himalaya"/>
-        <a:font script="Thaa" typeface="MV Boli"/>
-        <a:font script="Deva" typeface="Mangal"/>
-        <a:font script="Telu" typeface="Gautami"/>
-        <a:font script="Taml" typeface="Latha"/>
-        <a:font script="Syrc" typeface="Estrangelo Edessa"/>
-        <a:font script="Orya" typeface="Kalinga"/>
-        <a:font script="Mlym" typeface="Kartika"/>
-        <a:font script="Laoo" typeface="DokChampa"/>
-        <a:font script="Sinh" typeface="Iskoola Pota"/>
-        <a:font script="Mong" typeface="Mongolian Baiti"/>
-        <a:font script="Viet" typeface="Times New Roman"/>
-        <a:font script="Uigh" typeface="Microsoft Uighur"/>
-        <a:font script="Geor" typeface="Sylfaen"/>
-      </a:majorFont>
-      <a:minorFont>
-        <a:latin typeface="Arial"/>
-        <a:ea typeface=""/>
-        <a:cs typeface=""/>
-        <a:font script="Jpan" typeface="ＭＳ Ｐゴシック"/>
-        <a:font script="Hang" typeface="맑은 고딕"/>
-        <a:font script="Hans" typeface="宋体"/>
-        <a:font script="Hant" typeface="新細明體"/>
-        <a:font script="Arab" typeface="Arial"/>
-        <a:font script="Hebr" typeface="Arial"/>
-        <a:font script="Thai" typeface="Cordia New"/>
-        <a:font script="Ethi" typeface="Nyala"/>
-        <a:font script="Beng" typeface="Vrinda"/>
-        <a:font script="Gujr" typeface="Shruti"/>
-        <a:font script="Khmr" typeface="DaunPenh"/>
-        <a:font script="Knda" typeface="Tunga"/>
-        <a:font script="Guru" typeface="Raavi"/>
-        <a:font script="Cans" typeface="Euphemia"/>
-        <a:font script="Cher" typeface="Plantagenet Cherokee"/>
-        <a:font script="Yiii" typeface="Microsoft Yi Baiti"/>
-        <a:font script="Tibt" typeface="Microsoft Himalaya"/>
-        <a:font script="Thaa" typeface="MV Boli"/>
-        <a:font script="Deva" typeface="Mangal"/>
-        <a:font script="Telu" typeface="Gautami"/>
-        <a:font script="Taml" typeface="Latha"/>
-        <a:font script="Syrc" typeface="Estrangelo Edessa"/>
-        <a:font script="Orya" typeface="Kalinga"/>
-        <a:font script="Mlym" typeface="Kartika"/>
-        <a:font script="Laoo" typeface="DokChampa"/>
-        <a:font script="Sinh" typeface="Iskoola Pota"/>
-        <a:font script="Mong" typeface="Mongolian Baiti"/>
-        <a:font script="Viet" typeface="Arial"/>
-        <a:font script="Uigh" typeface="Microsoft Uighur"/>
-        <a:font script="Geor" typeface="Sylfaen"/>
-      </a:minorFont>
-    </a:fontScheme>
-    <a:fmtScheme name="Office">
-      <a:fillStyleLst>
-        <a:solidFill>
-          <a:schemeClr val="phClr"/>
-        </a:solidFill>
-        <a:gradFill rotWithShape="1">
-          <a:gsLst>
-            <a:gs pos="0">
-              <a:schemeClr val="phClr">
-                <a:tint val="50000"/>
-                <a:satMod val="300000"/>
-              </a:schemeClr>
-            </a:gs>
-            <a:gs pos="35000">
-              <a:schemeClr val="phClr">
-                <a:tint val="37000"/>
-                <a:satMod val="300000"/>
-              </a:schemeClr>
-            </a:gs>
-            <a:gs pos="100000">
-              <a:schemeClr val="phClr">
-                <a:tint val="15000"/>
-                <a:satMod val="350000"/>
-              </a:schemeClr>
-            </a:gs>
-          </a:gsLst>
-          <a:lin ang="16200000" scaled="1"/>
-        </a:gradFill>
-        <a:gradFill rotWithShape="1">
-          <a:gsLst>
-            <a:gs pos="0">
-              <a:schemeClr val="phClr">
-                <a:tint val="100000"/>
-                <a:shade val="100000"/>
-                <a:satMod val="130000"/>
-              </a:schemeClr>
-            </a:gs>
-            <a:gs pos="100000">
-              <a:schemeClr val="phClr">
-                <a:tint val="50000"/>
-                <a:shade val="100000"/>
-                <a:satMod val="350000"/>
-              </a:schemeClr>
-            </a:gs>
-          </a:gsLst>
-          <a:lin ang="16200000" scaled="0"/>
-        </a:gradFill>
-      </a:fillStyleLst>
-      <a:lnStyleLst>
-        <a:ln w="9525" cap="flat" cmpd="sng" algn="ctr">
-          <a:solidFill>
-            <a:schemeClr val="phClr">
-              <a:shade val="95000"/>
-              <a:satMod val="105000"/>
-            </a:schemeClr>
-          </a:solidFill>
-          <a:prstDash val="solid"/>
-        </a:ln>
-        <a:ln w="25400" cap="flat" cmpd="sng" algn="ctr">
-          <a:solidFill>
-            <a:schemeClr val="phClr"/>
-          </a:solidFill>
-          <a:prstDash val="solid"/>
-        </a:ln>
-        <a:ln w="38100" cap="flat" cmpd="sng" algn="ctr">
-          <a:solidFill>
-            <a:schemeClr val="phClr"/>
-          </a:solidFill>
-          <a:prstDash val="solid"/>
-        </a:ln>
-      </a:lnStyleLst>
-      <a:effectStyleLst>
-        <a:effectStyle>
-          <a:effectLst>
-            <a:outerShdw blurRad="40000" dist="20000" dir="5400000" rotWithShape="0">
-              <a:srgbClr val="000000">
-                <a:alpha val="38000"/>
-              </a:srgbClr>
-            </a:outerShdw>
-          </a:effectLst>
-        </a:effectStyle>
-        <a:effectStyle>
-          <a:effectLst>
-            <a:outerShdw blurRad="40000" dist="23000" dir="5400000" rotWithShape="0">
-              <a:srgbClr val="000000">
-                <a:alpha val="35000"/>
-              </a:srgbClr>
-            </a:outerShdw>
-          </a:effectLst>
-        </a:effectStyle>
-        <a:effectStyle>
-          <a:effectLst>
-            <a:outerShdw blurRad="40000" dist="23000" dir="5400000" rotWithShape="0">
-              <a:srgbClr val="000000">
-                <a:alpha val="35000"/>
-              </a:srgbClr>
-            </a:outerShdw>
-          </a:effectLst>
-          <a:scene3d>
-            <a:camera prst="orthographicFront">
-              <a:rot lat="0" lon="0" rev="0"/>
-            </a:camera>
-            <a:lightRig rig="threePt" dir="t">
-              <a:rot lat="0" lon="0" rev="1200000"/>
-            </a:lightRig>
-          </a:scene3d>
-          <a:sp3d>
-            <a:bevelT w="63500" h="25400"/>
-          </a:sp3d>
-        </a:effectStyle>
-      </a:effectStyleLst>
-      <a:bgFillStyleLst>
-        <a:solidFill>
-          <a:schemeClr val="phClr"/>
-        </a:solidFill>
-        <a:gradFill rotWithShape="1">
-          <a:gsLst>
-            <a:gs pos="0">
-              <a:schemeClr val="phClr">
-                <a:tint val="40000"/>
-                <a:satMod val="350000"/>
-              </a:schemeClr>
-            </a:gs>
-            <a:gs pos="40000">
-              <a:schemeClr val="phClr">
-                <a:tint val="45000"/>
-                <a:shade val="99000"/>
-                <a:satMod val="350000"/>
-              </a:schemeClr>
-            </a:gs>
-            <a:gs pos="100000">
-              <a:schemeClr val="phClr">
-                <a:shade val="20000"/>
-                <a:satMod val="255000"/>
-              </a:schemeClr>
-            </a:gs>
-          </a:gsLst>
-          <a:path path="circle">
-            <a:fillToRect l="50000" t="-80000" r="50000" b="180000"/>
-          </a:path>
-        </a:gradFill>
-        <a:gradFill rotWithShape="1">
-          <a:gsLst>
-            <a:gs pos="0">
-              <a:schemeClr val="phClr">
-                <a:tint val="80000"/>
-                <a:satMod val="300000"/>
-              </a:schemeClr>
-            </a:gs>
-            <a:gs pos="100000">
-              <a:schemeClr val="phClr">
-                <a:shade val="30000"/>
-                <a:satMod val="200000"/>
-              </a:schemeClr>
-            </a:gs>
-          </a:gsLst>
-          <a:path path="circle">
-            <a:fillToRect l="50000" t="50000" r="50000" b="50000"/>
-          </a:path>
-        </a:gradFill>
-      </a:bgFillStyleLst>
-    </a:fmtScheme>
-  </a:themeElements>
-</a:theme>
 </file>
--- a/slides/03_classes_packages_functions.pptx
+++ b/slides/03_classes_packages_functions.pptx
@@ -9866,7 +9866,7 @@
             </a:pPr>
             <a:r>
               <a:rPr lang="de"/>
-              <a:t>03 - Klassen, Pakete und Funktionen</a:t>
+              <a:t>03 - Funktionen, Klassen und Pakete</a:t>
             </a:r>
             <a:endParaRPr/>
           </a:p>
@@ -9952,7 +9952,7 @@
             <a:tbl>
               <a:tblPr>
                 <a:noFill/>
-                <a:tableStyleId>{228ADAFB-3664-45ED-9A1A-31229E1C848D}</a:tableStyleId>
+                <a:tableStyleId>{765A6310-F93C-4C3E-BEC7-D3A9ECB9FAAB}</a:tableStyleId>
               </a:tblPr>
               <a:tblGrid>
                 <a:gridCol w="1447800"/>
